--- a/Kibana APM.pptx
+++ b/Kibana APM.pptx
@@ -5,24 +5,18 @@
     <p:sldMasterId id="2147483660" r:id="rId1"/>
   </p:sldMasterIdLst>
   <p:notesMasterIdLst>
-    <p:notesMasterId r:id="rId17"/>
+    <p:notesMasterId r:id="rId11"/>
   </p:notesMasterIdLst>
   <p:sldIdLst>
     <p:sldId id="256" r:id="rId2"/>
     <p:sldId id="257" r:id="rId3"/>
     <p:sldId id="258" r:id="rId4"/>
     <p:sldId id="260" r:id="rId5"/>
-    <p:sldId id="270" r:id="rId6"/>
-    <p:sldId id="268" r:id="rId7"/>
-    <p:sldId id="271" r:id="rId8"/>
-    <p:sldId id="261" r:id="rId9"/>
-    <p:sldId id="262" r:id="rId10"/>
-    <p:sldId id="263" r:id="rId11"/>
-    <p:sldId id="264" r:id="rId12"/>
-    <p:sldId id="265" r:id="rId13"/>
-    <p:sldId id="272" r:id="rId14"/>
-    <p:sldId id="267" r:id="rId15"/>
-    <p:sldId id="269" r:id="rId16"/>
+    <p:sldId id="261" r:id="rId6"/>
+    <p:sldId id="262" r:id="rId7"/>
+    <p:sldId id="267" r:id="rId8"/>
+    <p:sldId id="269" r:id="rId9"/>
+    <p:sldId id="272" r:id="rId10"/>
   </p:sldIdLst>
   <p:sldSz cx="12192000" cy="6858000"/>
   <p:notesSz cx="6858000" cy="9144000"/>
@@ -121,6 +115,11 @@
       </a:defRPr>
     </a:lvl9pPr>
   </p:defaultTextStyle>
+  <p:extLst>
+    <p:ext uri="{EFAFB233-063F-42B5-8137-9DF3F51BA10A}">
+      <p15:sldGuideLst xmlns:p15="http://schemas.microsoft.com/office/powerpoint/2012/main"/>
+    </p:ext>
+  </p:extLst>
 </p:presentation>
 </file>
 
@@ -206,7 +205,7 @@
           <a:p>
             <a:fld id="{A56EB219-4127-E741-ADD4-00234EBFA567}" type="datetimeFigureOut">
               <a:rPr lang="en-PL" smtClean="0"/>
-              <a:t>05/06/2023</a:t>
+              <a:t>06/13/2023</a:t>
             </a:fld>
             <a:endParaRPr lang="en-PL"/>
           </a:p>
@@ -2224,7 +2223,7 @@
           <a:p>
             <a:fld id="{8F72BA41-EC5B-4197-BCC8-0FD2E523CD7A}" type="datetimeFigureOut">
               <a:rPr lang="en-US" smtClean="0"/>
-              <a:t>6/1/23</a:t>
+              <a:t>6/13/2023</a:t>
             </a:fld>
             <a:endParaRPr lang="en-US"/>
           </a:p>
@@ -2427,7 +2426,7 @@
           <a:p>
             <a:fld id="{8F72BA41-EC5B-4197-BCC8-0FD2E523CD7A}" type="datetimeFigureOut">
               <a:rPr lang="en-US" smtClean="0"/>
-              <a:t>6/1/23</a:t>
+              <a:t>6/13/2023</a:t>
             </a:fld>
             <a:endParaRPr lang="en-US"/>
           </a:p>
@@ -4148,7 +4147,7 @@
           <a:p>
             <a:fld id="{8F72BA41-EC5B-4197-BCC8-0FD2E523CD7A}" type="datetimeFigureOut">
               <a:rPr lang="en-US" smtClean="0"/>
-              <a:t>6/1/23</a:t>
+              <a:t>6/13/2023</a:t>
             </a:fld>
             <a:endParaRPr lang="en-US"/>
           </a:p>
@@ -4347,7 +4346,7 @@
           <a:p>
             <a:fld id="{8F72BA41-EC5B-4197-BCC8-0FD2E523CD7A}" type="datetimeFigureOut">
               <a:rPr lang="en-US" smtClean="0"/>
-              <a:t>6/1/23</a:t>
+              <a:t>6/13/2023</a:t>
             </a:fld>
             <a:endParaRPr lang="en-US"/>
           </a:p>
@@ -6137,7 +6136,7 @@
           <a:p>
             <a:fld id="{8F72BA41-EC5B-4197-BCC8-0FD2E523CD7A}" type="datetimeFigureOut">
               <a:rPr lang="en-US" smtClean="0"/>
-              <a:t>6/1/23</a:t>
+              <a:t>6/13/2023</a:t>
             </a:fld>
             <a:endParaRPr lang="en-US"/>
           </a:p>
@@ -6410,7 +6409,7 @@
           <a:p>
             <a:fld id="{8F72BA41-EC5B-4197-BCC8-0FD2E523CD7A}" type="datetimeFigureOut">
               <a:rPr lang="en-US" smtClean="0"/>
-              <a:t>6/1/23</a:t>
+              <a:t>6/13/2023</a:t>
             </a:fld>
             <a:endParaRPr lang="en-US"/>
           </a:p>
@@ -6830,7 +6829,7 @@
           <a:p>
             <a:fld id="{8F72BA41-EC5B-4197-BCC8-0FD2E523CD7A}" type="datetimeFigureOut">
               <a:rPr lang="en-US" smtClean="0"/>
-              <a:t>6/1/23</a:t>
+              <a:t>6/13/2023</a:t>
             </a:fld>
             <a:endParaRPr lang="en-US"/>
           </a:p>
@@ -6986,7 +6985,7 @@
           <a:p>
             <a:fld id="{8F72BA41-EC5B-4197-BCC8-0FD2E523CD7A}" type="datetimeFigureOut">
               <a:rPr lang="en-US" smtClean="0"/>
-              <a:t>6/1/23</a:t>
+              <a:t>6/13/2023</a:t>
             </a:fld>
             <a:endParaRPr lang="en-US"/>
           </a:p>
@@ -8554,7 +8553,7 @@
           <a:p>
             <a:fld id="{8F72BA41-EC5B-4197-BCC8-0FD2E523CD7A}" type="datetimeFigureOut">
               <a:rPr lang="en-US" smtClean="0"/>
-              <a:t>6/1/23</a:t>
+              <a:t>6/13/2023</a:t>
             </a:fld>
             <a:endParaRPr lang="en-US"/>
           </a:p>
@@ -10405,7 +10404,7 @@
           <a:p>
             <a:fld id="{8F72BA41-EC5B-4197-BCC8-0FD2E523CD7A}" type="datetimeFigureOut">
               <a:rPr lang="en-US" smtClean="0"/>
-              <a:t>6/1/23</a:t>
+              <a:t>6/13/2023</a:t>
             </a:fld>
             <a:endParaRPr lang="en-US"/>
           </a:p>
@@ -12218,7 +12217,7 @@
           <a:p>
             <a:fld id="{8F72BA41-EC5B-4197-BCC8-0FD2E523CD7A}" type="datetimeFigureOut">
               <a:rPr lang="en-US" smtClean="0"/>
-              <a:t>6/1/23</a:t>
+              <a:t>6/13/2023</a:t>
             </a:fld>
             <a:endParaRPr lang="en-US"/>
           </a:p>
@@ -13912,7 +13911,7 @@
             <a:fld id="{8F72BA41-EC5B-4197-BCC8-0FD2E523CD7A}" type="datetimeFigureOut">
               <a:rPr lang="en-US" smtClean="0"/>
               <a:pPr/>
-              <a:t>6/1/23</a:t>
+              <a:t>6/13/2023</a:t>
             </a:fld>
             <a:endParaRPr lang="en-US" dirty="0"/>
           </a:p>
@@ -16479,670 +16478,6 @@
 </p:sld>
 </file>
 
-<file path=ppt/slides/slide10.xml><?xml version="1.0" encoding="utf-8"?>
-<p:sld xmlns:a="http://schemas.openxmlformats.org/drawingml/2006/main" xmlns:r="http://schemas.openxmlformats.org/officeDocument/2006/relationships" xmlns:p="http://schemas.openxmlformats.org/presentationml/2006/main">
-  <p:cSld>
-    <p:spTree>
-      <p:nvGrpSpPr>
-        <p:cNvPr id="1" name=""/>
-        <p:cNvGrpSpPr/>
-        <p:nvPr/>
-      </p:nvGrpSpPr>
-      <p:grpSpPr>
-        <a:xfrm>
-          <a:off x="0" y="0"/>
-          <a:ext cx="0" cy="0"/>
-          <a:chOff x="0" y="0"/>
-          <a:chExt cx="0" cy="0"/>
-        </a:xfrm>
-      </p:grpSpPr>
-      <p:sp>
-        <p:nvSpPr>
-          <p:cNvPr id="2" name="Title 1">
-            <a:extLst>
-              <a:ext uri="{FF2B5EF4-FFF2-40B4-BE49-F238E27FC236}">
-                <a16:creationId xmlns:a16="http://schemas.microsoft.com/office/drawing/2014/main" id="{2986C22A-2895-44AB-3DFA-A5FF60205596}"/>
-              </a:ext>
-            </a:extLst>
-          </p:cNvPr>
-          <p:cNvSpPr>
-            <a:spLocks noGrp="1"/>
-          </p:cNvSpPr>
-          <p:nvPr>
-            <p:ph type="title"/>
-          </p:nvPr>
-        </p:nvSpPr>
-        <p:spPr/>
-        <p:txBody>
-          <a:bodyPr/>
-          <a:lstStyle/>
-          <a:p>
-            <a:r>
-              <a:rPr lang="en-PL" dirty="0"/>
-              <a:t>Case scenario – Simple metrics</a:t>
-            </a:r>
-          </a:p>
-        </p:txBody>
-      </p:sp>
-      <p:sp>
-        <p:nvSpPr>
-          <p:cNvPr id="3" name="Content Placeholder 2">
-            <a:extLst>
-              <a:ext uri="{FF2B5EF4-FFF2-40B4-BE49-F238E27FC236}">
-                <a16:creationId xmlns:a16="http://schemas.microsoft.com/office/drawing/2014/main" id="{760B55A3-4A6A-1E7A-E993-6B3ACB17E8E2}"/>
-              </a:ext>
-            </a:extLst>
-          </p:cNvPr>
-          <p:cNvSpPr>
-            <a:spLocks noGrp="1"/>
-          </p:cNvSpPr>
-          <p:nvPr>
-            <p:ph idx="1"/>
-          </p:nvPr>
-        </p:nvSpPr>
-        <p:spPr/>
-        <p:txBody>
-          <a:bodyPr/>
-          <a:lstStyle/>
-          <a:p>
-            <a:r>
-              <a:rPr lang="en-PL" dirty="0"/>
-              <a:t>Simple case to send metrics to APM</a:t>
-            </a:r>
-          </a:p>
-          <a:p>
-            <a:pPr lvl="1"/>
-            <a:r>
-              <a:rPr lang="en-PL" dirty="0"/>
-              <a:t>Analysis HTTP response time</a:t>
-            </a:r>
-          </a:p>
-          <a:p>
-            <a:pPr lvl="1"/>
-            <a:r>
-              <a:rPr lang="en-PL" dirty="0"/>
-              <a:t>Analysis the query that were executed</a:t>
-            </a:r>
-          </a:p>
-          <a:p>
-            <a:pPr lvl="1"/>
-            <a:r>
-              <a:rPr lang="en-PL" dirty="0"/>
-              <a:t>Analysis the methods that were executed for this particular request</a:t>
-            </a:r>
-          </a:p>
-        </p:txBody>
-      </p:sp>
-    </p:spTree>
-    <p:extLst>
-      <p:ext uri="{BB962C8B-B14F-4D97-AF65-F5344CB8AC3E}">
-        <p14:creationId xmlns:p14="http://schemas.microsoft.com/office/powerpoint/2010/main" val="3557292294"/>
-      </p:ext>
-    </p:extLst>
-  </p:cSld>
-  <p:clrMapOvr>
-    <a:masterClrMapping/>
-  </p:clrMapOvr>
-</p:sld>
-</file>
-
-<file path=ppt/slides/slide11.xml><?xml version="1.0" encoding="utf-8"?>
-<p:sld xmlns:a="http://schemas.openxmlformats.org/drawingml/2006/main" xmlns:r="http://schemas.openxmlformats.org/officeDocument/2006/relationships" xmlns:p="http://schemas.openxmlformats.org/presentationml/2006/main">
-  <p:cSld>
-    <p:spTree>
-      <p:nvGrpSpPr>
-        <p:cNvPr id="1" name=""/>
-        <p:cNvGrpSpPr/>
-        <p:nvPr/>
-      </p:nvGrpSpPr>
-      <p:grpSpPr>
-        <a:xfrm>
-          <a:off x="0" y="0"/>
-          <a:ext cx="0" cy="0"/>
-          <a:chOff x="0" y="0"/>
-          <a:chExt cx="0" cy="0"/>
-        </a:xfrm>
-      </p:grpSpPr>
-      <p:sp>
-        <p:nvSpPr>
-          <p:cNvPr id="2" name="Title 1">
-            <a:extLst>
-              <a:ext uri="{FF2B5EF4-FFF2-40B4-BE49-F238E27FC236}">
-                <a16:creationId xmlns:a16="http://schemas.microsoft.com/office/drawing/2014/main" id="{2986C22A-2895-44AB-3DFA-A5FF60205596}"/>
-              </a:ext>
-            </a:extLst>
-          </p:cNvPr>
-          <p:cNvSpPr>
-            <a:spLocks noGrp="1"/>
-          </p:cNvSpPr>
-          <p:nvPr>
-            <p:ph type="title"/>
-          </p:nvPr>
-        </p:nvSpPr>
-        <p:spPr/>
-        <p:txBody>
-          <a:bodyPr/>
-          <a:lstStyle/>
-          <a:p>
-            <a:r>
-              <a:rPr lang="en-PL" dirty="0"/>
-              <a:t>Case scenario – Identify N+1</a:t>
-            </a:r>
-          </a:p>
-        </p:txBody>
-      </p:sp>
-      <p:sp>
-        <p:nvSpPr>
-          <p:cNvPr id="3" name="Content Placeholder 2">
-            <a:extLst>
-              <a:ext uri="{FF2B5EF4-FFF2-40B4-BE49-F238E27FC236}">
-                <a16:creationId xmlns:a16="http://schemas.microsoft.com/office/drawing/2014/main" id="{760B55A3-4A6A-1E7A-E993-6B3ACB17E8E2}"/>
-              </a:ext>
-            </a:extLst>
-          </p:cNvPr>
-          <p:cNvSpPr>
-            <a:spLocks noGrp="1"/>
-          </p:cNvSpPr>
-          <p:nvPr>
-            <p:ph idx="1"/>
-          </p:nvPr>
-        </p:nvSpPr>
-        <p:spPr/>
-        <p:txBody>
-          <a:bodyPr/>
-          <a:lstStyle/>
-          <a:p>
-            <a:r>
-              <a:rPr lang="en-PL" dirty="0"/>
-              <a:t>N+1 are common problem on our daily work, but how to easily identify it with APM</a:t>
-            </a:r>
-          </a:p>
-          <a:p>
-            <a:r>
-              <a:rPr lang="en-PL" dirty="0"/>
-              <a:t>APM will show us the number of times that same query were executed during a request/transaction</a:t>
-            </a:r>
-          </a:p>
-          <a:p>
-            <a:r>
-              <a:rPr lang="en-PL" dirty="0"/>
-              <a:t>Act after analysis – fixing the issue with coding changes – analisy it again to check the results</a:t>
-            </a:r>
-          </a:p>
-          <a:p>
-            <a:pPr marL="0" indent="0">
-              <a:buNone/>
-            </a:pPr>
-            <a:endParaRPr lang="en-PL" dirty="0"/>
-          </a:p>
-        </p:txBody>
-      </p:sp>
-    </p:spTree>
-    <p:extLst>
-      <p:ext uri="{BB962C8B-B14F-4D97-AF65-F5344CB8AC3E}">
-        <p14:creationId xmlns:p14="http://schemas.microsoft.com/office/powerpoint/2010/main" val="2072764621"/>
-      </p:ext>
-    </p:extLst>
-  </p:cSld>
-  <p:clrMapOvr>
-    <a:masterClrMapping/>
-  </p:clrMapOvr>
-</p:sld>
-</file>
-
-<file path=ppt/slides/slide12.xml><?xml version="1.0" encoding="utf-8"?>
-<p:sld xmlns:a="http://schemas.openxmlformats.org/drawingml/2006/main" xmlns:r="http://schemas.openxmlformats.org/officeDocument/2006/relationships" xmlns:p="http://schemas.openxmlformats.org/presentationml/2006/main">
-  <p:cSld>
-    <p:spTree>
-      <p:nvGrpSpPr>
-        <p:cNvPr id="1" name=""/>
-        <p:cNvGrpSpPr/>
-        <p:nvPr/>
-      </p:nvGrpSpPr>
-      <p:grpSpPr>
-        <a:xfrm>
-          <a:off x="0" y="0"/>
-          <a:ext cx="0" cy="0"/>
-          <a:chOff x="0" y="0"/>
-          <a:chExt cx="0" cy="0"/>
-        </a:xfrm>
-      </p:grpSpPr>
-      <p:sp>
-        <p:nvSpPr>
-          <p:cNvPr id="2" name="Title 1">
-            <a:extLst>
-              <a:ext uri="{FF2B5EF4-FFF2-40B4-BE49-F238E27FC236}">
-                <a16:creationId xmlns:a16="http://schemas.microsoft.com/office/drawing/2014/main" id="{2986C22A-2895-44AB-3DFA-A5FF60205596}"/>
-              </a:ext>
-            </a:extLst>
-          </p:cNvPr>
-          <p:cNvSpPr>
-            <a:spLocks noGrp="1"/>
-          </p:cNvSpPr>
-          <p:nvPr>
-            <p:ph type="title"/>
-          </p:nvPr>
-        </p:nvSpPr>
-        <p:spPr/>
-        <p:txBody>
-          <a:bodyPr/>
-          <a:lstStyle/>
-          <a:p>
-            <a:r>
-              <a:rPr lang="en-PL" dirty="0"/>
-              <a:t>Case scenario – Multi-services</a:t>
-            </a:r>
-          </a:p>
-        </p:txBody>
-      </p:sp>
-      <p:sp>
-        <p:nvSpPr>
-          <p:cNvPr id="3" name="Content Placeholder 2">
-            <a:extLst>
-              <a:ext uri="{FF2B5EF4-FFF2-40B4-BE49-F238E27FC236}">
-                <a16:creationId xmlns:a16="http://schemas.microsoft.com/office/drawing/2014/main" id="{760B55A3-4A6A-1E7A-E993-6B3ACB17E8E2}"/>
-              </a:ext>
-            </a:extLst>
-          </p:cNvPr>
-          <p:cNvSpPr>
-            <a:spLocks noGrp="1"/>
-          </p:cNvSpPr>
-          <p:nvPr>
-            <p:ph idx="1"/>
-          </p:nvPr>
-        </p:nvSpPr>
-        <p:spPr/>
-        <p:txBody>
-          <a:bodyPr/>
-          <a:lstStyle/>
-          <a:p>
-            <a:r>
-              <a:rPr lang="en-PL" dirty="0"/>
-              <a:t>A common scenarion during multi-service environment is services calling each other via rest API</a:t>
-            </a:r>
-          </a:p>
-          <a:p>
-            <a:r>
-              <a:rPr lang="en-PL" dirty="0"/>
-              <a:t>APM can show us the metrics about this rest call also with proper service configuration we it can link the metrics between 2 services</a:t>
-            </a:r>
-          </a:p>
-        </p:txBody>
-      </p:sp>
-    </p:spTree>
-    <p:extLst>
-      <p:ext uri="{BB962C8B-B14F-4D97-AF65-F5344CB8AC3E}">
-        <p14:creationId xmlns:p14="http://schemas.microsoft.com/office/powerpoint/2010/main" val="785393987"/>
-      </p:ext>
-    </p:extLst>
-  </p:cSld>
-  <p:clrMapOvr>
-    <a:masterClrMapping/>
-  </p:clrMapOvr>
-</p:sld>
-</file>
-
-<file path=ppt/slides/slide13.xml><?xml version="1.0" encoding="utf-8"?>
-<p:sld xmlns:a="http://schemas.openxmlformats.org/drawingml/2006/main" xmlns:r="http://schemas.openxmlformats.org/officeDocument/2006/relationships" xmlns:p="http://schemas.openxmlformats.org/presentationml/2006/main">
-  <p:cSld>
-    <p:spTree>
-      <p:nvGrpSpPr>
-        <p:cNvPr id="1" name=""/>
-        <p:cNvGrpSpPr/>
-        <p:nvPr/>
-      </p:nvGrpSpPr>
-      <p:grpSpPr>
-        <a:xfrm>
-          <a:off x="0" y="0"/>
-          <a:ext cx="0" cy="0"/>
-          <a:chOff x="0" y="0"/>
-          <a:chExt cx="0" cy="0"/>
-        </a:xfrm>
-      </p:grpSpPr>
-      <p:sp>
-        <p:nvSpPr>
-          <p:cNvPr id="2" name="Title 1">
-            <a:extLst>
-              <a:ext uri="{FF2B5EF4-FFF2-40B4-BE49-F238E27FC236}">
-                <a16:creationId xmlns:a16="http://schemas.microsoft.com/office/drawing/2014/main" id="{2986C22A-2895-44AB-3DFA-A5FF60205596}"/>
-              </a:ext>
-            </a:extLst>
-          </p:cNvPr>
-          <p:cNvSpPr>
-            <a:spLocks noGrp="1"/>
-          </p:cNvSpPr>
-          <p:nvPr>
-            <p:ph type="title"/>
-          </p:nvPr>
-        </p:nvSpPr>
-        <p:spPr/>
-        <p:txBody>
-          <a:bodyPr/>
-          <a:lstStyle/>
-          <a:p>
-            <a:r>
-              <a:rPr lang="en-PL" dirty="0"/>
-              <a:t>Case scenario - Analysing slow methods</a:t>
-            </a:r>
-          </a:p>
-        </p:txBody>
-      </p:sp>
-      <p:sp>
-        <p:nvSpPr>
-          <p:cNvPr id="3" name="Content Placeholder 2">
-            <a:extLst>
-              <a:ext uri="{FF2B5EF4-FFF2-40B4-BE49-F238E27FC236}">
-                <a16:creationId xmlns:a16="http://schemas.microsoft.com/office/drawing/2014/main" id="{760B55A3-4A6A-1E7A-E993-6B3ACB17E8E2}"/>
-              </a:ext>
-            </a:extLst>
-          </p:cNvPr>
-          <p:cNvSpPr>
-            <a:spLocks noGrp="1"/>
-          </p:cNvSpPr>
-          <p:nvPr>
-            <p:ph idx="1"/>
-          </p:nvPr>
-        </p:nvSpPr>
-        <p:spPr/>
-        <p:txBody>
-          <a:bodyPr>
-            <a:normAutofit lnSpcReduction="10000"/>
-          </a:bodyPr>
-          <a:lstStyle/>
-          <a:p>
-            <a:r>
-              <a:rPr lang="en-GB" dirty="0"/>
-              <a:t>Another advantage of APM is to analyse slow methods</a:t>
-            </a:r>
-          </a:p>
-          <a:p>
-            <a:r>
-              <a:rPr lang="en-GB" dirty="0"/>
-              <a:t>We should take care not to impact our app performance during runtime and </a:t>
-            </a:r>
-            <a:r>
-              <a:rPr lang="en-GB" dirty="0" err="1"/>
-              <a:t>startup</a:t>
-            </a:r>
-            <a:endParaRPr lang="en-GB" dirty="0"/>
-          </a:p>
-          <a:p>
-            <a:r>
-              <a:rPr lang="en-GB" dirty="0"/>
-              <a:t>Can be done into different ways:</a:t>
-            </a:r>
-          </a:p>
-          <a:p>
-            <a:pPr lvl="1"/>
-            <a:r>
-              <a:rPr lang="en-GB" dirty="0"/>
-              <a:t>Base profiler: </a:t>
-            </a:r>
-            <a:r>
-              <a:rPr lang="en-GB" dirty="0">
-                <a:hlinkClick r:id="rId2"/>
-              </a:rPr>
-              <a:t>https://www.elastic.co/guide/en/apm/agent/java/current/method-sampling-based.html</a:t>
-            </a:r>
-            <a:r>
-              <a:rPr lang="en-GB" dirty="0"/>
-              <a:t> </a:t>
-            </a:r>
-          </a:p>
-          <a:p>
-            <a:pPr lvl="1"/>
-            <a:r>
-              <a:rPr lang="en-GB" dirty="0"/>
-              <a:t>API/Code: </a:t>
-            </a:r>
-            <a:r>
-              <a:rPr lang="en-GB" dirty="0">
-                <a:hlinkClick r:id="rId3"/>
-              </a:rPr>
-              <a:t>https://www.elastic.co/guide/en/apm/agent/java/current/method-api.html</a:t>
-            </a:r>
-            <a:r>
-              <a:rPr lang="en-GB" dirty="0"/>
-              <a:t> </a:t>
-            </a:r>
-          </a:p>
-          <a:p>
-            <a:pPr lvl="1"/>
-            <a:r>
-              <a:rPr lang="en-GB" dirty="0"/>
-              <a:t>Annotations: </a:t>
-            </a:r>
-            <a:r>
-              <a:rPr lang="en-GB" dirty="0">
-                <a:hlinkClick r:id="rId4"/>
-              </a:rPr>
-              <a:t>https://www.elastic.co/guide/en/apm/agent/java/current/method-annotations.html</a:t>
-            </a:r>
-            <a:r>
-              <a:rPr lang="en-GB" dirty="0"/>
-              <a:t> </a:t>
-            </a:r>
-          </a:p>
-          <a:p>
-            <a:pPr lvl="1"/>
-            <a:r>
-              <a:rPr lang="en-GB" dirty="0"/>
-              <a:t>Configuration-based: </a:t>
-            </a:r>
-            <a:r>
-              <a:rPr lang="en-GB" dirty="0">
-                <a:hlinkClick r:id="rId5"/>
-              </a:rPr>
-              <a:t>https://www.elastic.co/guide/en/apm/agent/java/current/method-config-based.html</a:t>
-            </a:r>
-            <a:r>
-              <a:rPr lang="en-GB" dirty="0"/>
-              <a:t> </a:t>
-            </a:r>
-          </a:p>
-          <a:p>
-            <a:pPr lvl="1"/>
-            <a:endParaRPr lang="en-GB" dirty="0"/>
-          </a:p>
-        </p:txBody>
-      </p:sp>
-    </p:spTree>
-    <p:extLst>
-      <p:ext uri="{BB962C8B-B14F-4D97-AF65-F5344CB8AC3E}">
-        <p14:creationId xmlns:p14="http://schemas.microsoft.com/office/powerpoint/2010/main" val="712303752"/>
-      </p:ext>
-    </p:extLst>
-  </p:cSld>
-  <p:clrMapOvr>
-    <a:masterClrMapping/>
-  </p:clrMapOvr>
-</p:sld>
-</file>
-
-<file path=ppt/slides/slide14.xml><?xml version="1.0" encoding="utf-8"?>
-<p:sld xmlns:a="http://schemas.openxmlformats.org/drawingml/2006/main" xmlns:r="http://schemas.openxmlformats.org/officeDocument/2006/relationships" xmlns:p="http://schemas.openxmlformats.org/presentationml/2006/main">
-  <p:cSld>
-    <p:spTree>
-      <p:nvGrpSpPr>
-        <p:cNvPr id="1" name=""/>
-        <p:cNvGrpSpPr/>
-        <p:nvPr/>
-      </p:nvGrpSpPr>
-      <p:grpSpPr>
-        <a:xfrm>
-          <a:off x="0" y="0"/>
-          <a:ext cx="0" cy="0"/>
-          <a:chOff x="0" y="0"/>
-          <a:chExt cx="0" cy="0"/>
-        </a:xfrm>
-      </p:grpSpPr>
-      <p:sp>
-        <p:nvSpPr>
-          <p:cNvPr id="2" name="Title 1">
-            <a:extLst>
-              <a:ext uri="{FF2B5EF4-FFF2-40B4-BE49-F238E27FC236}">
-                <a16:creationId xmlns:a16="http://schemas.microsoft.com/office/drawing/2014/main" id="{2986C22A-2895-44AB-3DFA-A5FF60205596}"/>
-              </a:ext>
-            </a:extLst>
-          </p:cNvPr>
-          <p:cNvSpPr>
-            <a:spLocks noGrp="1"/>
-          </p:cNvSpPr>
-          <p:nvPr>
-            <p:ph type="title"/>
-          </p:nvPr>
-        </p:nvSpPr>
-        <p:spPr>
-          <a:xfrm>
-            <a:off x="1536585" y="2178970"/>
-            <a:ext cx="3473826" cy="1442463"/>
-          </a:xfrm>
-        </p:spPr>
-        <p:txBody>
-          <a:bodyPr/>
-          <a:lstStyle/>
-          <a:p>
-            <a:r>
-              <a:rPr lang="en-PL" dirty="0"/>
-              <a:t>Questions</a:t>
-            </a:r>
-          </a:p>
-        </p:txBody>
-      </p:sp>
-    </p:spTree>
-    <p:extLst>
-      <p:ext uri="{BB962C8B-B14F-4D97-AF65-F5344CB8AC3E}">
-        <p14:creationId xmlns:p14="http://schemas.microsoft.com/office/powerpoint/2010/main" val="3891795659"/>
-      </p:ext>
-    </p:extLst>
-  </p:cSld>
-  <p:clrMapOvr>
-    <a:masterClrMapping/>
-  </p:clrMapOvr>
-</p:sld>
-</file>
-
-<file path=ppt/slides/slide15.xml><?xml version="1.0" encoding="utf-8"?>
-<p:sld xmlns:a="http://schemas.openxmlformats.org/drawingml/2006/main" xmlns:r="http://schemas.openxmlformats.org/officeDocument/2006/relationships" xmlns:p="http://schemas.openxmlformats.org/presentationml/2006/main">
-  <p:cSld>
-    <p:spTree>
-      <p:nvGrpSpPr>
-        <p:cNvPr id="1" name=""/>
-        <p:cNvGrpSpPr/>
-        <p:nvPr/>
-      </p:nvGrpSpPr>
-      <p:grpSpPr>
-        <a:xfrm>
-          <a:off x="0" y="0"/>
-          <a:ext cx="0" cy="0"/>
-          <a:chOff x="0" y="0"/>
-          <a:chExt cx="0" cy="0"/>
-        </a:xfrm>
-      </p:grpSpPr>
-      <p:sp>
-        <p:nvSpPr>
-          <p:cNvPr id="2" name="Title 1">
-            <a:extLst>
-              <a:ext uri="{FF2B5EF4-FFF2-40B4-BE49-F238E27FC236}">
-                <a16:creationId xmlns:a16="http://schemas.microsoft.com/office/drawing/2014/main" id="{7AA93CE0-FE6C-6129-B63E-FF7290B318DF}"/>
-              </a:ext>
-            </a:extLst>
-          </p:cNvPr>
-          <p:cNvSpPr>
-            <a:spLocks noGrp="1"/>
-          </p:cNvSpPr>
-          <p:nvPr>
-            <p:ph type="title"/>
-          </p:nvPr>
-        </p:nvSpPr>
-        <p:spPr/>
-        <p:txBody>
-          <a:bodyPr/>
-          <a:lstStyle/>
-          <a:p>
-            <a:r>
-              <a:rPr lang="en-PL" dirty="0"/>
-              <a:t>References</a:t>
-            </a:r>
-          </a:p>
-        </p:txBody>
-      </p:sp>
-      <p:sp>
-        <p:nvSpPr>
-          <p:cNvPr id="3" name="Content Placeholder 2">
-            <a:extLst>
-              <a:ext uri="{FF2B5EF4-FFF2-40B4-BE49-F238E27FC236}">
-                <a16:creationId xmlns:a16="http://schemas.microsoft.com/office/drawing/2014/main" id="{8C8684A3-2F34-724F-A0F0-582025CD3BD1}"/>
-              </a:ext>
-            </a:extLst>
-          </p:cNvPr>
-          <p:cNvSpPr>
-            <a:spLocks noGrp="1"/>
-          </p:cNvSpPr>
-          <p:nvPr>
-            <p:ph idx="1"/>
-          </p:nvPr>
-        </p:nvSpPr>
-        <p:spPr/>
-        <p:txBody>
-          <a:bodyPr/>
-          <a:lstStyle/>
-          <a:p>
-            <a:r>
-              <a:rPr lang="en-GB" dirty="0">
-                <a:hlinkClick r:id="rId2"/>
-              </a:rPr>
-              <a:t>https://www.elastic.co/guide/en/apm/guide/current/apm-quick-start.html</a:t>
-            </a:r>
-          </a:p>
-          <a:p>
-            <a:r>
-              <a:rPr lang="en-GB" dirty="0">
-                <a:hlinkClick r:id="rId3"/>
-              </a:rPr>
-              <a:t>https://www.elastic.co/guide/en/apm/guide/current/getting-started-apm-server.html</a:t>
-            </a:r>
-            <a:endParaRPr lang="en-GB" dirty="0"/>
-          </a:p>
-          <a:p>
-            <a:r>
-              <a:rPr lang="en-GB" dirty="0">
-                <a:hlinkClick r:id="rId2"/>
-              </a:rPr>
-              <a:t>https://www.elastic.co/guide/en/apm/agent/java/current/setup.html</a:t>
-            </a:r>
-            <a:endParaRPr lang="en-GB" dirty="0"/>
-          </a:p>
-          <a:p>
-            <a:r>
-              <a:rPr lang="en-GB" dirty="0">
-                <a:hlinkClick r:id="rId4"/>
-              </a:rPr>
-              <a:t>https://www.elastic.co/guide/en/apm/agent/java/current/java-method-monitoring.html</a:t>
-            </a:r>
-            <a:endParaRPr lang="en-GB" dirty="0"/>
-          </a:p>
-          <a:p>
-            <a:endParaRPr lang="en-GB" dirty="0"/>
-          </a:p>
-          <a:p>
-            <a:endParaRPr lang="en-PL" dirty="0"/>
-          </a:p>
-        </p:txBody>
-      </p:sp>
-    </p:spTree>
-    <p:extLst>
-      <p:ext uri="{BB962C8B-B14F-4D97-AF65-F5344CB8AC3E}">
-        <p14:creationId xmlns:p14="http://schemas.microsoft.com/office/powerpoint/2010/main" val="2521588105"/>
-      </p:ext>
-    </p:extLst>
-  </p:cSld>
-  <p:clrMapOvr>
-    <a:masterClrMapping/>
-  </p:clrMapOvr>
-</p:sld>
-</file>
-
 <file path=ppt/slides/slide2.xml><?xml version="1.0" encoding="utf-8"?>
 <p:sld xmlns:a="http://schemas.openxmlformats.org/drawingml/2006/main" xmlns:r="http://schemas.openxmlformats.org/officeDocument/2006/relationships" xmlns:p="http://schemas.openxmlformats.org/presentationml/2006/main">
   <p:cSld>
@@ -17231,26 +16566,23 @@
           <a:p>
             <a:r>
               <a:rPr lang="en-PL" dirty="0"/>
-              <a:t>Case scenario – Simple metrics</a:t>
+              <a:t>Case scenario</a:t>
+            </a:r>
+            <a:r>
+              <a:rPr lang="en-US" dirty="0"/>
+              <a:t>s</a:t>
             </a:r>
           </a:p>
           <a:p>
             <a:r>
               <a:rPr lang="en-PL" dirty="0"/>
-              <a:t>Case scenario – Identify N+1 easily</a:t>
+              <a:t>Analysing slow methods</a:t>
             </a:r>
-          </a:p>
-          <a:p>
             <a:r>
-              <a:rPr lang="en-PL" dirty="0"/>
-              <a:t>Case scenario - Multi-services</a:t>
+              <a:rPr lang="en-US" dirty="0"/>
+              <a:t> – Extra topic</a:t>
             </a:r>
-          </a:p>
-          <a:p>
-            <a:r>
-              <a:rPr lang="en-PL" dirty="0"/>
-              <a:t>Case scenario - Analysing slow methods</a:t>
-            </a:r>
+            <a:endParaRPr lang="en-PL" dirty="0"/>
           </a:p>
           <a:p>
             <a:endParaRPr lang="en-PL" dirty="0"/>
@@ -17364,7 +16696,15 @@
             <a:pPr lvl="1"/>
             <a:r>
               <a:rPr lang="en-PL" dirty="0"/>
-              <a:t>Response time – HTTP request, DB quries, methods execution, etc..</a:t>
+              <a:t>Response time – HTTP request, DB qu</a:t>
+            </a:r>
+            <a:r>
+              <a:rPr lang="en-US" dirty="0"/>
+              <a:t>e</a:t>
+            </a:r>
+            <a:r>
+              <a:rPr lang="en-PL" dirty="0"/>
+              <a:t>ries, methods execution, etc..</a:t>
             </a:r>
           </a:p>
           <a:p>
@@ -17434,6 +16774,400 @@
   <p:clrMapOvr>
     <a:masterClrMapping/>
   </p:clrMapOvr>
+  <p:timing>
+    <p:tnLst>
+      <p:par>
+        <p:cTn id="1" dur="indefinite" restart="never" nodeType="tmRoot">
+          <p:childTnLst>
+            <p:seq concurrent="1" nextAc="seek">
+              <p:cTn id="2" dur="indefinite" nodeType="mainSeq">
+                <p:childTnLst>
+                  <p:par>
+                    <p:cTn id="3" fill="hold">
+                      <p:stCondLst>
+                        <p:cond delay="indefinite"/>
+                      </p:stCondLst>
+                      <p:childTnLst>
+                        <p:par>
+                          <p:cTn id="4" fill="hold">
+                            <p:stCondLst>
+                              <p:cond delay="0"/>
+                            </p:stCondLst>
+                            <p:childTnLst>
+                              <p:par>
+                                <p:cTn id="5" presetID="1" presetClass="entr" presetSubtype="0" fill="hold" nodeType="clickEffect">
+                                  <p:stCondLst>
+                                    <p:cond delay="0"/>
+                                  </p:stCondLst>
+                                  <p:childTnLst>
+                                    <p:set>
+                                      <p:cBhvr>
+                                        <p:cTn id="6" dur="1" fill="hold">
+                                          <p:stCondLst>
+                                            <p:cond delay="0"/>
+                                          </p:stCondLst>
+                                        </p:cTn>
+                                        <p:tgtEl>
+                                          <p:spTgt spid="3">
+                                            <p:txEl>
+                                              <p:pRg st="1" end="1"/>
+                                            </p:txEl>
+                                          </p:spTgt>
+                                        </p:tgtEl>
+                                        <p:attrNameLst>
+                                          <p:attrName>style.visibility</p:attrName>
+                                        </p:attrNameLst>
+                                      </p:cBhvr>
+                                      <p:to>
+                                        <p:strVal val="visible"/>
+                                      </p:to>
+                                    </p:set>
+                                  </p:childTnLst>
+                                </p:cTn>
+                              </p:par>
+                            </p:childTnLst>
+                          </p:cTn>
+                        </p:par>
+                      </p:childTnLst>
+                    </p:cTn>
+                  </p:par>
+                  <p:par>
+                    <p:cTn id="7" fill="hold">
+                      <p:stCondLst>
+                        <p:cond delay="indefinite"/>
+                      </p:stCondLst>
+                      <p:childTnLst>
+                        <p:par>
+                          <p:cTn id="8" fill="hold">
+                            <p:stCondLst>
+                              <p:cond delay="0"/>
+                            </p:stCondLst>
+                            <p:childTnLst>
+                              <p:par>
+                                <p:cTn id="9" presetID="1" presetClass="entr" presetSubtype="0" fill="hold" nodeType="clickEffect">
+                                  <p:stCondLst>
+                                    <p:cond delay="0"/>
+                                  </p:stCondLst>
+                                  <p:childTnLst>
+                                    <p:set>
+                                      <p:cBhvr>
+                                        <p:cTn id="10" dur="1" fill="hold">
+                                          <p:stCondLst>
+                                            <p:cond delay="0"/>
+                                          </p:stCondLst>
+                                        </p:cTn>
+                                        <p:tgtEl>
+                                          <p:spTgt spid="3">
+                                            <p:txEl>
+                                              <p:pRg st="2" end="2"/>
+                                            </p:txEl>
+                                          </p:spTgt>
+                                        </p:tgtEl>
+                                        <p:attrNameLst>
+                                          <p:attrName>style.visibility</p:attrName>
+                                        </p:attrNameLst>
+                                      </p:cBhvr>
+                                      <p:to>
+                                        <p:strVal val="visible"/>
+                                      </p:to>
+                                    </p:set>
+                                  </p:childTnLst>
+                                </p:cTn>
+                              </p:par>
+                              <p:par>
+                                <p:cTn id="11" presetID="1" presetClass="entr" presetSubtype="0" fill="hold" nodeType="withEffect">
+                                  <p:stCondLst>
+                                    <p:cond delay="0"/>
+                                  </p:stCondLst>
+                                  <p:childTnLst>
+                                    <p:set>
+                                      <p:cBhvr>
+                                        <p:cTn id="12" dur="1" fill="hold">
+                                          <p:stCondLst>
+                                            <p:cond delay="0"/>
+                                          </p:stCondLst>
+                                        </p:cTn>
+                                        <p:tgtEl>
+                                          <p:spTgt spid="3">
+                                            <p:txEl>
+                                              <p:pRg st="3" end="3"/>
+                                            </p:txEl>
+                                          </p:spTgt>
+                                        </p:tgtEl>
+                                        <p:attrNameLst>
+                                          <p:attrName>style.visibility</p:attrName>
+                                        </p:attrNameLst>
+                                      </p:cBhvr>
+                                      <p:to>
+                                        <p:strVal val="visible"/>
+                                      </p:to>
+                                    </p:set>
+                                  </p:childTnLst>
+                                </p:cTn>
+                              </p:par>
+                              <p:par>
+                                <p:cTn id="13" presetID="1" presetClass="entr" presetSubtype="0" fill="hold" nodeType="withEffect">
+                                  <p:stCondLst>
+                                    <p:cond delay="0"/>
+                                  </p:stCondLst>
+                                  <p:childTnLst>
+                                    <p:set>
+                                      <p:cBhvr>
+                                        <p:cTn id="14" dur="1" fill="hold">
+                                          <p:stCondLst>
+                                            <p:cond delay="0"/>
+                                          </p:stCondLst>
+                                        </p:cTn>
+                                        <p:tgtEl>
+                                          <p:spTgt spid="3">
+                                            <p:txEl>
+                                              <p:pRg st="4" end="4"/>
+                                            </p:txEl>
+                                          </p:spTgt>
+                                        </p:tgtEl>
+                                        <p:attrNameLst>
+                                          <p:attrName>style.visibility</p:attrName>
+                                        </p:attrNameLst>
+                                      </p:cBhvr>
+                                      <p:to>
+                                        <p:strVal val="visible"/>
+                                      </p:to>
+                                    </p:set>
+                                  </p:childTnLst>
+                                </p:cTn>
+                              </p:par>
+                              <p:par>
+                                <p:cTn id="15" presetID="1" presetClass="entr" presetSubtype="0" fill="hold" nodeType="withEffect">
+                                  <p:stCondLst>
+                                    <p:cond delay="0"/>
+                                  </p:stCondLst>
+                                  <p:childTnLst>
+                                    <p:set>
+                                      <p:cBhvr>
+                                        <p:cTn id="16" dur="1" fill="hold">
+                                          <p:stCondLst>
+                                            <p:cond delay="0"/>
+                                          </p:stCondLst>
+                                        </p:cTn>
+                                        <p:tgtEl>
+                                          <p:spTgt spid="3">
+                                            <p:txEl>
+                                              <p:pRg st="5" end="5"/>
+                                            </p:txEl>
+                                          </p:spTgt>
+                                        </p:tgtEl>
+                                        <p:attrNameLst>
+                                          <p:attrName>style.visibility</p:attrName>
+                                        </p:attrNameLst>
+                                      </p:cBhvr>
+                                      <p:to>
+                                        <p:strVal val="visible"/>
+                                      </p:to>
+                                    </p:set>
+                                  </p:childTnLst>
+                                </p:cTn>
+                              </p:par>
+                              <p:par>
+                                <p:cTn id="17" presetID="1" presetClass="entr" presetSubtype="0" fill="hold" nodeType="withEffect">
+                                  <p:stCondLst>
+                                    <p:cond delay="0"/>
+                                  </p:stCondLst>
+                                  <p:childTnLst>
+                                    <p:set>
+                                      <p:cBhvr>
+                                        <p:cTn id="18" dur="1" fill="hold">
+                                          <p:stCondLst>
+                                            <p:cond delay="0"/>
+                                          </p:stCondLst>
+                                        </p:cTn>
+                                        <p:tgtEl>
+                                          <p:spTgt spid="3">
+                                            <p:txEl>
+                                              <p:pRg st="6" end="6"/>
+                                            </p:txEl>
+                                          </p:spTgt>
+                                        </p:tgtEl>
+                                        <p:attrNameLst>
+                                          <p:attrName>style.visibility</p:attrName>
+                                        </p:attrNameLst>
+                                      </p:cBhvr>
+                                      <p:to>
+                                        <p:strVal val="visible"/>
+                                      </p:to>
+                                    </p:set>
+                                  </p:childTnLst>
+                                </p:cTn>
+                              </p:par>
+                            </p:childTnLst>
+                          </p:cTn>
+                        </p:par>
+                      </p:childTnLst>
+                    </p:cTn>
+                  </p:par>
+                  <p:par>
+                    <p:cTn id="19" fill="hold">
+                      <p:stCondLst>
+                        <p:cond delay="indefinite"/>
+                      </p:stCondLst>
+                      <p:childTnLst>
+                        <p:par>
+                          <p:cTn id="20" fill="hold">
+                            <p:stCondLst>
+                              <p:cond delay="0"/>
+                            </p:stCondLst>
+                            <p:childTnLst>
+                              <p:par>
+                                <p:cTn id="21" presetID="1" presetClass="entr" presetSubtype="0" fill="hold" nodeType="clickEffect">
+                                  <p:stCondLst>
+                                    <p:cond delay="0"/>
+                                  </p:stCondLst>
+                                  <p:childTnLst>
+                                    <p:set>
+                                      <p:cBhvr>
+                                        <p:cTn id="22" dur="1" fill="hold">
+                                          <p:stCondLst>
+                                            <p:cond delay="0"/>
+                                          </p:stCondLst>
+                                        </p:cTn>
+                                        <p:tgtEl>
+                                          <p:spTgt spid="3">
+                                            <p:txEl>
+                                              <p:pRg st="7" end="7"/>
+                                            </p:txEl>
+                                          </p:spTgt>
+                                        </p:tgtEl>
+                                        <p:attrNameLst>
+                                          <p:attrName>style.visibility</p:attrName>
+                                        </p:attrNameLst>
+                                      </p:cBhvr>
+                                      <p:to>
+                                        <p:strVal val="visible"/>
+                                      </p:to>
+                                    </p:set>
+                                  </p:childTnLst>
+                                </p:cTn>
+                              </p:par>
+                              <p:par>
+                                <p:cTn id="23" presetID="1" presetClass="entr" presetSubtype="0" fill="hold" nodeType="withEffect">
+                                  <p:stCondLst>
+                                    <p:cond delay="0"/>
+                                  </p:stCondLst>
+                                  <p:childTnLst>
+                                    <p:set>
+                                      <p:cBhvr>
+                                        <p:cTn id="24" dur="1" fill="hold">
+                                          <p:stCondLst>
+                                            <p:cond delay="0"/>
+                                          </p:stCondLst>
+                                        </p:cTn>
+                                        <p:tgtEl>
+                                          <p:spTgt spid="3">
+                                            <p:txEl>
+                                              <p:pRg st="8" end="8"/>
+                                            </p:txEl>
+                                          </p:spTgt>
+                                        </p:tgtEl>
+                                        <p:attrNameLst>
+                                          <p:attrName>style.visibility</p:attrName>
+                                        </p:attrNameLst>
+                                      </p:cBhvr>
+                                      <p:to>
+                                        <p:strVal val="visible"/>
+                                      </p:to>
+                                    </p:set>
+                                  </p:childTnLst>
+                                </p:cTn>
+                              </p:par>
+                              <p:par>
+                                <p:cTn id="25" presetID="1" presetClass="entr" presetSubtype="0" fill="hold" nodeType="withEffect">
+                                  <p:stCondLst>
+                                    <p:cond delay="0"/>
+                                  </p:stCondLst>
+                                  <p:childTnLst>
+                                    <p:set>
+                                      <p:cBhvr>
+                                        <p:cTn id="26" dur="1" fill="hold">
+                                          <p:stCondLst>
+                                            <p:cond delay="0"/>
+                                          </p:stCondLst>
+                                        </p:cTn>
+                                        <p:tgtEl>
+                                          <p:spTgt spid="3">
+                                            <p:txEl>
+                                              <p:pRg st="9" end="9"/>
+                                            </p:txEl>
+                                          </p:spTgt>
+                                        </p:tgtEl>
+                                        <p:attrNameLst>
+                                          <p:attrName>style.visibility</p:attrName>
+                                        </p:attrNameLst>
+                                      </p:cBhvr>
+                                      <p:to>
+                                        <p:strVal val="visible"/>
+                                      </p:to>
+                                    </p:set>
+                                  </p:childTnLst>
+                                </p:cTn>
+                              </p:par>
+                              <p:par>
+                                <p:cTn id="27" presetID="1" presetClass="entr" presetSubtype="0" fill="hold" nodeType="withEffect">
+                                  <p:stCondLst>
+                                    <p:cond delay="0"/>
+                                  </p:stCondLst>
+                                  <p:childTnLst>
+                                    <p:set>
+                                      <p:cBhvr>
+                                        <p:cTn id="28" dur="1" fill="hold">
+                                          <p:stCondLst>
+                                            <p:cond delay="0"/>
+                                          </p:stCondLst>
+                                        </p:cTn>
+                                        <p:tgtEl>
+                                          <p:spTgt spid="3">
+                                            <p:txEl>
+                                              <p:pRg st="10" end="10"/>
+                                            </p:txEl>
+                                          </p:spTgt>
+                                        </p:tgtEl>
+                                        <p:attrNameLst>
+                                          <p:attrName>style.visibility</p:attrName>
+                                        </p:attrNameLst>
+                                      </p:cBhvr>
+                                      <p:to>
+                                        <p:strVal val="visible"/>
+                                      </p:to>
+                                    </p:set>
+                                  </p:childTnLst>
+                                </p:cTn>
+                              </p:par>
+                            </p:childTnLst>
+                          </p:cTn>
+                        </p:par>
+                      </p:childTnLst>
+                    </p:cTn>
+                  </p:par>
+                </p:childTnLst>
+              </p:cTn>
+              <p:prevCondLst>
+                <p:cond evt="onPrev" delay="0">
+                  <p:tgtEl>
+                    <p:sldTgt/>
+                  </p:tgtEl>
+                </p:cond>
+              </p:prevCondLst>
+              <p:nextCondLst>
+                <p:cond evt="onNext" delay="0">
+                  <p:tgtEl>
+                    <p:sldTgt/>
+                  </p:tgtEl>
+                </p:cond>
+              </p:nextCondLst>
+            </p:seq>
+          </p:childTnLst>
+        </p:cTn>
+      </p:par>
+    </p:tnLst>
+  </p:timing>
 </p:sld>
 </file>
 
@@ -17544,136 +17278,17 @@
             </a:r>
           </a:p>
           <a:p>
-            <a:r>
-              <a:rPr lang="en-GB" dirty="0"/>
-              <a:t>Configuration method: YAML</a:t>
-            </a:r>
-          </a:p>
-          <a:p>
             <a:pPr lvl="1"/>
             <a:endParaRPr lang="en-GB" dirty="0"/>
           </a:p>
         </p:txBody>
       </p:sp>
-    </p:spTree>
-    <p:extLst>
-      <p:ext uri="{BB962C8B-B14F-4D97-AF65-F5344CB8AC3E}">
-        <p14:creationId xmlns:p14="http://schemas.microsoft.com/office/powerpoint/2010/main" val="1588044589"/>
-      </p:ext>
-    </p:extLst>
-  </p:cSld>
-  <p:clrMapOvr>
-    <a:masterClrMapping/>
-  </p:clrMapOvr>
-</p:sld>
-</file>
-
-<file path=ppt/slides/slide5.xml><?xml version="1.0" encoding="utf-8"?>
-<p:sld xmlns:a="http://schemas.openxmlformats.org/drawingml/2006/main" xmlns:r="http://schemas.openxmlformats.org/officeDocument/2006/relationships" xmlns:p="http://schemas.openxmlformats.org/presentationml/2006/main">
-  <p:cSld>
-    <p:spTree>
-      <p:nvGrpSpPr>
-        <p:cNvPr id="1" name=""/>
-        <p:cNvGrpSpPr/>
-        <p:nvPr/>
-      </p:nvGrpSpPr>
-      <p:grpSpPr>
-        <a:xfrm>
-          <a:off x="0" y="0"/>
-          <a:ext cx="0" cy="0"/>
-          <a:chOff x="0" y="0"/>
-          <a:chExt cx="0" cy="0"/>
-        </a:xfrm>
-      </p:grpSpPr>
-      <p:sp>
-        <p:nvSpPr>
-          <p:cNvPr id="2" name="Title 1">
+      <p:pic>
+        <p:nvPicPr>
+          <p:cNvPr id="4" name="Picture 2" descr="APM Server binary overview">
             <a:extLst>
               <a:ext uri="{FF2B5EF4-FFF2-40B4-BE49-F238E27FC236}">
-                <a16:creationId xmlns:a16="http://schemas.microsoft.com/office/drawing/2014/main" id="{1C7C696F-E00A-997C-D701-FC5AD646C240}"/>
-              </a:ext>
-            </a:extLst>
-          </p:cNvPr>
-          <p:cNvSpPr>
-            <a:spLocks noGrp="1"/>
-          </p:cNvSpPr>
-          <p:nvPr>
-            <p:ph type="title"/>
-          </p:nvPr>
-        </p:nvSpPr>
-        <p:spPr/>
-        <p:txBody>
-          <a:bodyPr/>
-          <a:lstStyle/>
-          <a:p>
-            <a:r>
-              <a:rPr lang="en-PL" dirty="0"/>
-              <a:t>Adding it to your kibana – APM Server</a:t>
-            </a:r>
-          </a:p>
-        </p:txBody>
-      </p:sp>
-      <p:sp>
-        <p:nvSpPr>
-          <p:cNvPr id="3" name="Content Placeholder 2">
-            <a:extLst>
-              <a:ext uri="{FF2B5EF4-FFF2-40B4-BE49-F238E27FC236}">
-                <a16:creationId xmlns:a16="http://schemas.microsoft.com/office/drawing/2014/main" id="{AFDAF9E3-7CAB-1FD8-6DDC-D834FE16515D}"/>
-              </a:ext>
-            </a:extLst>
-          </p:cNvPr>
-          <p:cNvSpPr>
-            <a:spLocks noGrp="1"/>
-          </p:cNvSpPr>
-          <p:nvPr>
-            <p:ph idx="1"/>
-          </p:nvPr>
-        </p:nvSpPr>
-        <p:spPr/>
-        <p:txBody>
-          <a:bodyPr>
-            <a:normAutofit/>
-          </a:bodyPr>
-          <a:lstStyle/>
-          <a:p>
-            <a:r>
-              <a:rPr lang="en-PL" dirty="0"/>
-              <a:t>Components required</a:t>
-            </a:r>
-          </a:p>
-          <a:p>
-            <a:pPr lvl="1"/>
-            <a:r>
-              <a:rPr lang="en-PL" dirty="0"/>
-              <a:t>APM Agents</a:t>
-            </a:r>
-          </a:p>
-          <a:p>
-            <a:pPr lvl="1"/>
-            <a:r>
-              <a:rPr lang="en-PL" dirty="0"/>
-              <a:t>APM Server</a:t>
-            </a:r>
-          </a:p>
-          <a:p>
-            <a:pPr lvl="1"/>
-            <a:r>
-              <a:rPr lang="en-PL" dirty="0"/>
-              <a:t>Elastic Stack</a:t>
-            </a:r>
-          </a:p>
-          <a:p>
-            <a:pPr lvl="1"/>
-            <a:endParaRPr lang="en-PL" dirty="0"/>
-          </a:p>
-        </p:txBody>
-      </p:sp>
-      <p:pic>
-        <p:nvPicPr>
-          <p:cNvPr id="1026" name="Picture 2" descr="APM Server binary overview">
-            <a:extLst>
-              <a:ext uri="{FF2B5EF4-FFF2-40B4-BE49-F238E27FC236}">
-                <a16:creationId xmlns:a16="http://schemas.microsoft.com/office/drawing/2014/main" id="{20A7541D-55F6-6B03-034D-6D051FE20A3B}"/>
+                <a16:creationId xmlns:a16="http://schemas.microsoft.com/office/drawing/2014/main" id="{10128222-1D3D-A38F-9AAF-551635F9B39D}"/>
               </a:ext>
             </a:extLst>
           </p:cNvPr>
@@ -17683,7 +17298,7 @@
           <p:nvPr/>
         </p:nvPicPr>
         <p:blipFill>
-          <a:blip r:embed="rId2">
+          <a:blip r:embed="rId3">
             <a:extLst>
               <a:ext uri="{28A0092B-C50C-407E-A947-70E740481C1C}">
                 <a14:useLocalDpi xmlns:a14="http://schemas.microsoft.com/office/drawing/2010/main" val="0"/>
@@ -17697,7 +17312,7 @@
         </p:blipFill>
         <p:spPr bwMode="auto">
           <a:xfrm>
-            <a:off x="1107027" y="4020426"/>
+            <a:off x="876367" y="4687691"/>
             <a:ext cx="8575591" cy="1769832"/>
           </a:xfrm>
           <a:prstGeom prst="rect">
@@ -17718,308 +17333,190 @@
     </p:spTree>
     <p:extLst>
       <p:ext uri="{BB962C8B-B14F-4D97-AF65-F5344CB8AC3E}">
-        <p14:creationId xmlns:p14="http://schemas.microsoft.com/office/powerpoint/2010/main" val="1173419249"/>
+        <p14:creationId xmlns:p14="http://schemas.microsoft.com/office/powerpoint/2010/main" val="1588044589"/>
       </p:ext>
     </p:extLst>
   </p:cSld>
   <p:clrMapOvr>
     <a:masterClrMapping/>
   </p:clrMapOvr>
+  <p:timing>
+    <p:tnLst>
+      <p:par>
+        <p:cTn id="1" dur="indefinite" restart="never" nodeType="tmRoot">
+          <p:childTnLst>
+            <p:seq concurrent="1" nextAc="seek">
+              <p:cTn id="2" dur="indefinite" nodeType="mainSeq">
+                <p:childTnLst>
+                  <p:par>
+                    <p:cTn id="3" fill="hold">
+                      <p:stCondLst>
+                        <p:cond delay="indefinite"/>
+                      </p:stCondLst>
+                      <p:childTnLst>
+                        <p:par>
+                          <p:cTn id="4" fill="hold">
+                            <p:stCondLst>
+                              <p:cond delay="0"/>
+                            </p:stCondLst>
+                            <p:childTnLst>
+                              <p:par>
+                                <p:cTn id="5" presetID="1" presetClass="entr" presetSubtype="0" fill="hold" nodeType="clickEffect">
+                                  <p:stCondLst>
+                                    <p:cond delay="0"/>
+                                  </p:stCondLst>
+                                  <p:childTnLst>
+                                    <p:set>
+                                      <p:cBhvr>
+                                        <p:cTn id="6" dur="1" fill="hold">
+                                          <p:stCondLst>
+                                            <p:cond delay="0"/>
+                                          </p:stCondLst>
+                                        </p:cTn>
+                                        <p:tgtEl>
+                                          <p:spTgt spid="3">
+                                            <p:txEl>
+                                              <p:pRg st="4" end="4"/>
+                                            </p:txEl>
+                                          </p:spTgt>
+                                        </p:tgtEl>
+                                        <p:attrNameLst>
+                                          <p:attrName>style.visibility</p:attrName>
+                                        </p:attrNameLst>
+                                      </p:cBhvr>
+                                      <p:to>
+                                        <p:strVal val="visible"/>
+                                      </p:to>
+                                    </p:set>
+                                  </p:childTnLst>
+                                </p:cTn>
+                              </p:par>
+                            </p:childTnLst>
+                          </p:cTn>
+                        </p:par>
+                      </p:childTnLst>
+                    </p:cTn>
+                  </p:par>
+                  <p:par>
+                    <p:cTn id="7" fill="hold">
+                      <p:stCondLst>
+                        <p:cond delay="indefinite"/>
+                      </p:stCondLst>
+                      <p:childTnLst>
+                        <p:par>
+                          <p:cTn id="8" fill="hold">
+                            <p:stCondLst>
+                              <p:cond delay="0"/>
+                            </p:stCondLst>
+                            <p:childTnLst>
+                              <p:par>
+                                <p:cTn id="9" presetID="1" presetClass="entr" presetSubtype="0" fill="hold" nodeType="clickEffect">
+                                  <p:stCondLst>
+                                    <p:cond delay="0"/>
+                                  </p:stCondLst>
+                                  <p:childTnLst>
+                                    <p:set>
+                                      <p:cBhvr>
+                                        <p:cTn id="10" dur="1" fill="hold">
+                                          <p:stCondLst>
+                                            <p:cond delay="0"/>
+                                          </p:stCondLst>
+                                        </p:cTn>
+                                        <p:tgtEl>
+                                          <p:spTgt spid="3">
+                                            <p:txEl>
+                                              <p:pRg st="5" end="5"/>
+                                            </p:txEl>
+                                          </p:spTgt>
+                                        </p:tgtEl>
+                                        <p:attrNameLst>
+                                          <p:attrName>style.visibility</p:attrName>
+                                        </p:attrNameLst>
+                                      </p:cBhvr>
+                                      <p:to>
+                                        <p:strVal val="visible"/>
+                                      </p:to>
+                                    </p:set>
+                                  </p:childTnLst>
+                                </p:cTn>
+                              </p:par>
+                            </p:childTnLst>
+                          </p:cTn>
+                        </p:par>
+                      </p:childTnLst>
+                    </p:cTn>
+                  </p:par>
+                  <p:par>
+                    <p:cTn id="11" fill="hold">
+                      <p:stCondLst>
+                        <p:cond delay="indefinite"/>
+                      </p:stCondLst>
+                      <p:childTnLst>
+                        <p:par>
+                          <p:cTn id="12" fill="hold">
+                            <p:stCondLst>
+                              <p:cond delay="0"/>
+                            </p:stCondLst>
+                            <p:childTnLst>
+                              <p:par>
+                                <p:cTn id="13" presetID="1" presetClass="entr" presetSubtype="0" fill="hold" nodeType="clickEffect">
+                                  <p:stCondLst>
+                                    <p:cond delay="0"/>
+                                  </p:stCondLst>
+                                  <p:childTnLst>
+                                    <p:set>
+                                      <p:cBhvr>
+                                        <p:cTn id="14" dur="1" fill="hold">
+                                          <p:stCondLst>
+                                            <p:cond delay="0"/>
+                                          </p:stCondLst>
+                                        </p:cTn>
+                                        <p:tgtEl>
+                                          <p:spTgt spid="4"/>
+                                        </p:tgtEl>
+                                        <p:attrNameLst>
+                                          <p:attrName>style.visibility</p:attrName>
+                                        </p:attrNameLst>
+                                      </p:cBhvr>
+                                      <p:to>
+                                        <p:strVal val="visible"/>
+                                      </p:to>
+                                    </p:set>
+                                  </p:childTnLst>
+                                </p:cTn>
+                              </p:par>
+                            </p:childTnLst>
+                          </p:cTn>
+                        </p:par>
+                      </p:childTnLst>
+                    </p:cTn>
+                  </p:par>
+                </p:childTnLst>
+              </p:cTn>
+              <p:prevCondLst>
+                <p:cond evt="onPrev" delay="0">
+                  <p:tgtEl>
+                    <p:sldTgt/>
+                  </p:tgtEl>
+                </p:cond>
+              </p:prevCondLst>
+              <p:nextCondLst>
+                <p:cond evt="onNext" delay="0">
+                  <p:tgtEl>
+                    <p:sldTgt/>
+                  </p:tgtEl>
+                </p:cond>
+              </p:nextCondLst>
+            </p:seq>
+          </p:childTnLst>
+        </p:cTn>
+      </p:par>
+    </p:tnLst>
+  </p:timing>
 </p:sld>
 </file>
 
-<file path=ppt/slides/slide6.xml><?xml version="1.0" encoding="utf-8"?>
-<p:sld xmlns:a="http://schemas.openxmlformats.org/drawingml/2006/main" xmlns:r="http://schemas.openxmlformats.org/officeDocument/2006/relationships" xmlns:p="http://schemas.openxmlformats.org/presentationml/2006/main">
-  <p:cSld>
-    <p:spTree>
-      <p:nvGrpSpPr>
-        <p:cNvPr id="1" name=""/>
-        <p:cNvGrpSpPr/>
-        <p:nvPr/>
-      </p:nvGrpSpPr>
-      <p:grpSpPr>
-        <a:xfrm>
-          <a:off x="0" y="0"/>
-          <a:ext cx="0" cy="0"/>
-          <a:chOff x="0" y="0"/>
-          <a:chExt cx="0" cy="0"/>
-        </a:xfrm>
-      </p:grpSpPr>
-      <p:sp>
-        <p:nvSpPr>
-          <p:cNvPr id="2" name="Title 1">
-            <a:extLst>
-              <a:ext uri="{FF2B5EF4-FFF2-40B4-BE49-F238E27FC236}">
-                <a16:creationId xmlns:a16="http://schemas.microsoft.com/office/drawing/2014/main" id="{1C7C696F-E00A-997C-D701-FC5AD646C240}"/>
-              </a:ext>
-            </a:extLst>
-          </p:cNvPr>
-          <p:cNvSpPr>
-            <a:spLocks noGrp="1"/>
-          </p:cNvSpPr>
-          <p:nvPr>
-            <p:ph type="title"/>
-          </p:nvPr>
-        </p:nvSpPr>
-        <p:spPr/>
-        <p:txBody>
-          <a:bodyPr/>
-          <a:lstStyle/>
-          <a:p>
-            <a:r>
-              <a:rPr lang="en-PL" dirty="0"/>
-              <a:t>Adding it to your kibana – Fleet Integration</a:t>
-            </a:r>
-          </a:p>
-        </p:txBody>
-      </p:sp>
-      <p:sp>
-        <p:nvSpPr>
-          <p:cNvPr id="3" name="Content Placeholder 2">
-            <a:extLst>
-              <a:ext uri="{FF2B5EF4-FFF2-40B4-BE49-F238E27FC236}">
-                <a16:creationId xmlns:a16="http://schemas.microsoft.com/office/drawing/2014/main" id="{AFDAF9E3-7CAB-1FD8-6DDC-D834FE16515D}"/>
-              </a:ext>
-            </a:extLst>
-          </p:cNvPr>
-          <p:cNvSpPr>
-            <a:spLocks noGrp="1"/>
-          </p:cNvSpPr>
-          <p:nvPr>
-            <p:ph idx="1"/>
-          </p:nvPr>
-        </p:nvSpPr>
-        <p:spPr/>
-        <p:txBody>
-          <a:bodyPr>
-            <a:normAutofit/>
-          </a:bodyPr>
-          <a:lstStyle/>
-          <a:p>
-            <a:r>
-              <a:rPr lang="en-PL" dirty="0"/>
-              <a:t>Fleet Integration – We will use this for our case</a:t>
-            </a:r>
-          </a:p>
-          <a:p>
-            <a:pPr lvl="1"/>
-            <a:r>
-              <a:rPr lang="en-PL" dirty="0"/>
-              <a:t>Install fleet integration server</a:t>
-            </a:r>
-          </a:p>
-          <a:p>
-            <a:pPr lvl="1"/>
-            <a:r>
-              <a:rPr lang="en-PL" dirty="0"/>
-              <a:t>Add APM from integration UI</a:t>
-            </a:r>
-          </a:p>
-          <a:p>
-            <a:pPr lvl="1"/>
-            <a:r>
-              <a:rPr lang="en-PL" dirty="0"/>
-              <a:t>Start to send metrics to the Fleet via elastic and apm agents</a:t>
-            </a:r>
-          </a:p>
-          <a:p>
-            <a:r>
-              <a:rPr lang="en-PL" dirty="0"/>
-              <a:t>More convenient – all integration at one central instance</a:t>
-            </a:r>
-          </a:p>
-          <a:p>
-            <a:r>
-              <a:rPr lang="en-PL" dirty="0"/>
-              <a:t>Configuration Method: Kibana UI</a:t>
-            </a:r>
-          </a:p>
-        </p:txBody>
-      </p:sp>
-    </p:spTree>
-    <p:extLst>
-      <p:ext uri="{BB962C8B-B14F-4D97-AF65-F5344CB8AC3E}">
-        <p14:creationId xmlns:p14="http://schemas.microsoft.com/office/powerpoint/2010/main" val="2102130282"/>
-      </p:ext>
-    </p:extLst>
-  </p:cSld>
-  <p:clrMapOvr>
-    <a:masterClrMapping/>
-  </p:clrMapOvr>
-</p:sld>
-</file>
-
-<file path=ppt/slides/slide7.xml><?xml version="1.0" encoding="utf-8"?>
-<p:sld xmlns:a="http://schemas.openxmlformats.org/drawingml/2006/main" xmlns:r="http://schemas.openxmlformats.org/officeDocument/2006/relationships" xmlns:p="http://schemas.openxmlformats.org/presentationml/2006/main">
-  <p:cSld>
-    <p:spTree>
-      <p:nvGrpSpPr>
-        <p:cNvPr id="1" name=""/>
-        <p:cNvGrpSpPr/>
-        <p:nvPr/>
-      </p:nvGrpSpPr>
-      <p:grpSpPr>
-        <a:xfrm>
-          <a:off x="0" y="0"/>
-          <a:ext cx="0" cy="0"/>
-          <a:chOff x="0" y="0"/>
-          <a:chExt cx="0" cy="0"/>
-        </a:xfrm>
-      </p:grpSpPr>
-      <p:sp>
-        <p:nvSpPr>
-          <p:cNvPr id="2" name="Title 1">
-            <a:extLst>
-              <a:ext uri="{FF2B5EF4-FFF2-40B4-BE49-F238E27FC236}">
-                <a16:creationId xmlns:a16="http://schemas.microsoft.com/office/drawing/2014/main" id="{1C7C696F-E00A-997C-D701-FC5AD646C240}"/>
-              </a:ext>
-            </a:extLst>
-          </p:cNvPr>
-          <p:cNvSpPr>
-            <a:spLocks noGrp="1"/>
-          </p:cNvSpPr>
-          <p:nvPr>
-            <p:ph type="title"/>
-          </p:nvPr>
-        </p:nvSpPr>
-        <p:spPr/>
-        <p:txBody>
-          <a:bodyPr/>
-          <a:lstStyle/>
-          <a:p>
-            <a:r>
-              <a:rPr lang="en-PL" dirty="0"/>
-              <a:t>Adding it to your kibana – Fleet Integration</a:t>
-            </a:r>
-          </a:p>
-        </p:txBody>
-      </p:sp>
-      <p:sp>
-        <p:nvSpPr>
-          <p:cNvPr id="3" name="Content Placeholder 2">
-            <a:extLst>
-              <a:ext uri="{FF2B5EF4-FFF2-40B4-BE49-F238E27FC236}">
-                <a16:creationId xmlns:a16="http://schemas.microsoft.com/office/drawing/2014/main" id="{AFDAF9E3-7CAB-1FD8-6DDC-D834FE16515D}"/>
-              </a:ext>
-            </a:extLst>
-          </p:cNvPr>
-          <p:cNvSpPr>
-            <a:spLocks noGrp="1"/>
-          </p:cNvSpPr>
-          <p:nvPr>
-            <p:ph idx="1"/>
-          </p:nvPr>
-        </p:nvSpPr>
-        <p:spPr/>
-        <p:txBody>
-          <a:bodyPr>
-            <a:normAutofit/>
-          </a:bodyPr>
-          <a:lstStyle/>
-          <a:p>
-            <a:r>
-              <a:rPr lang="en-PL" dirty="0"/>
-              <a:t>Components required</a:t>
-            </a:r>
-          </a:p>
-          <a:p>
-            <a:pPr lvl="1"/>
-            <a:r>
-              <a:rPr lang="en-PL" dirty="0"/>
-              <a:t>APM Agent</a:t>
-            </a:r>
-          </a:p>
-          <a:p>
-            <a:pPr lvl="1"/>
-            <a:r>
-              <a:rPr lang="en-PL" dirty="0"/>
-              <a:t>Elastic Agent</a:t>
-            </a:r>
-          </a:p>
-          <a:p>
-            <a:pPr lvl="1"/>
-            <a:r>
-              <a:rPr lang="en-PL" dirty="0"/>
-              <a:t>Fleet server</a:t>
-            </a:r>
-          </a:p>
-          <a:p>
-            <a:pPr lvl="1"/>
-            <a:r>
-              <a:rPr lang="en-PL" dirty="0"/>
-              <a:t>APM Server</a:t>
-            </a:r>
-          </a:p>
-          <a:p>
-            <a:pPr lvl="1"/>
-            <a:r>
-              <a:rPr lang="en-PL" dirty="0"/>
-              <a:t>Elastic stack</a:t>
-            </a:r>
-          </a:p>
-        </p:txBody>
-      </p:sp>
-      <p:pic>
-        <p:nvPicPr>
-          <p:cNvPr id="2050" name="Picture 2" descr="APM Server fleet overview">
-            <a:extLst>
-              <a:ext uri="{FF2B5EF4-FFF2-40B4-BE49-F238E27FC236}">
-                <a16:creationId xmlns:a16="http://schemas.microsoft.com/office/drawing/2014/main" id="{08474794-5CA3-AFB6-B6AC-08DCB3BB960D}"/>
-              </a:ext>
-            </a:extLst>
-          </p:cNvPr>
-          <p:cNvPicPr>
-            <a:picLocks noChangeAspect="1" noChangeArrowheads="1"/>
-          </p:cNvPicPr>
-          <p:nvPr/>
-        </p:nvPicPr>
-        <p:blipFill>
-          <a:blip r:embed="rId2">
-            <a:extLst>
-              <a:ext uri="{28A0092B-C50C-407E-A947-70E740481C1C}">
-                <a14:useLocalDpi xmlns:a14="http://schemas.microsoft.com/office/drawing/2010/main" val="0"/>
-              </a:ext>
-            </a:extLst>
-          </a:blip>
-          <a:srcRect/>
-          <a:stretch>
-            <a:fillRect/>
-          </a:stretch>
-        </p:blipFill>
-        <p:spPr bwMode="auto">
-          <a:xfrm>
-            <a:off x="1282392" y="4611324"/>
-            <a:ext cx="9183104" cy="1770856"/>
-          </a:xfrm>
-          <a:prstGeom prst="rect">
-            <a:avLst/>
-          </a:prstGeom>
-          <a:noFill/>
-          <a:extLst>
-            <a:ext uri="{909E8E84-426E-40DD-AFC4-6F175D3DCCD1}">
-              <a14:hiddenFill xmlns:a14="http://schemas.microsoft.com/office/drawing/2010/main">
-                <a:solidFill>
-                  <a:srgbClr val="FFFFFF"/>
-                </a:solidFill>
-              </a14:hiddenFill>
-            </a:ext>
-          </a:extLst>
-        </p:spPr>
-      </p:pic>
-    </p:spTree>
-    <p:extLst>
-      <p:ext uri="{BB962C8B-B14F-4D97-AF65-F5344CB8AC3E}">
-        <p14:creationId xmlns:p14="http://schemas.microsoft.com/office/powerpoint/2010/main" val="468257181"/>
-      </p:ext>
-    </p:extLst>
-  </p:cSld>
-  <p:clrMapOvr>
-    <a:masterClrMapping/>
-  </p:clrMapOvr>
-</p:sld>
-</file>
-
-<file path=ppt/slides/slide8.xml><?xml version="1.0" encoding="utf-8"?>
+<file path=ppt/slides/slide5.xml><?xml version="1.0" encoding="utf-8"?>
 <p:sld xmlns:a="http://schemas.openxmlformats.org/drawingml/2006/main" xmlns:r="http://schemas.openxmlformats.org/officeDocument/2006/relationships" xmlns:p="http://schemas.openxmlformats.org/presentationml/2006/main">
   <p:cSld>
     <p:spTree>
@@ -18164,7 +17661,7 @@
             <a:pPr lvl="1"/>
             <a:r>
               <a:rPr lang="en-GB" dirty="0"/>
-              <a:t>Doesn’t requires JVM options changes</a:t>
+              <a:t>Doesn’t require JVM options changes</a:t>
             </a:r>
           </a:p>
           <a:p>
@@ -18214,10 +17711,386 @@
   <p:clrMapOvr>
     <a:masterClrMapping/>
   </p:clrMapOvr>
+  <p:timing>
+    <p:tnLst>
+      <p:par>
+        <p:cTn id="1" dur="indefinite" restart="never" nodeType="tmRoot">
+          <p:childTnLst>
+            <p:seq concurrent="1" nextAc="seek">
+              <p:cTn id="2" dur="indefinite" nodeType="mainSeq">
+                <p:childTnLst>
+                  <p:par>
+                    <p:cTn id="3" fill="hold">
+                      <p:stCondLst>
+                        <p:cond delay="indefinite"/>
+                      </p:stCondLst>
+                      <p:childTnLst>
+                        <p:par>
+                          <p:cTn id="4" fill="hold">
+                            <p:stCondLst>
+                              <p:cond delay="0"/>
+                            </p:stCondLst>
+                            <p:childTnLst>
+                              <p:par>
+                                <p:cTn id="5" presetID="1" presetClass="entr" presetSubtype="0" fill="hold" nodeType="clickEffect">
+                                  <p:stCondLst>
+                                    <p:cond delay="0"/>
+                                  </p:stCondLst>
+                                  <p:childTnLst>
+                                    <p:set>
+                                      <p:cBhvr>
+                                        <p:cTn id="6" dur="1" fill="hold">
+                                          <p:stCondLst>
+                                            <p:cond delay="0"/>
+                                          </p:stCondLst>
+                                        </p:cTn>
+                                        <p:tgtEl>
+                                          <p:spTgt spid="3">
+                                            <p:txEl>
+                                              <p:pRg st="0" end="0"/>
+                                            </p:txEl>
+                                          </p:spTgt>
+                                        </p:tgtEl>
+                                        <p:attrNameLst>
+                                          <p:attrName>style.visibility</p:attrName>
+                                        </p:attrNameLst>
+                                      </p:cBhvr>
+                                      <p:to>
+                                        <p:strVal val="visible"/>
+                                      </p:to>
+                                    </p:set>
+                                  </p:childTnLst>
+                                </p:cTn>
+                              </p:par>
+                              <p:par>
+                                <p:cTn id="7" presetID="1" presetClass="entr" presetSubtype="0" fill="hold" nodeType="withEffect">
+                                  <p:stCondLst>
+                                    <p:cond delay="0"/>
+                                  </p:stCondLst>
+                                  <p:childTnLst>
+                                    <p:set>
+                                      <p:cBhvr>
+                                        <p:cTn id="8" dur="1" fill="hold">
+                                          <p:stCondLst>
+                                            <p:cond delay="0"/>
+                                          </p:stCondLst>
+                                        </p:cTn>
+                                        <p:tgtEl>
+                                          <p:spTgt spid="3">
+                                            <p:txEl>
+                                              <p:pRg st="1" end="1"/>
+                                            </p:txEl>
+                                          </p:spTgt>
+                                        </p:tgtEl>
+                                        <p:attrNameLst>
+                                          <p:attrName>style.visibility</p:attrName>
+                                        </p:attrNameLst>
+                                      </p:cBhvr>
+                                      <p:to>
+                                        <p:strVal val="visible"/>
+                                      </p:to>
+                                    </p:set>
+                                  </p:childTnLst>
+                                </p:cTn>
+                              </p:par>
+                              <p:par>
+                                <p:cTn id="9" presetID="1" presetClass="entr" presetSubtype="0" fill="hold" nodeType="withEffect">
+                                  <p:stCondLst>
+                                    <p:cond delay="0"/>
+                                  </p:stCondLst>
+                                  <p:childTnLst>
+                                    <p:set>
+                                      <p:cBhvr>
+                                        <p:cTn id="10" dur="1" fill="hold">
+                                          <p:stCondLst>
+                                            <p:cond delay="0"/>
+                                          </p:stCondLst>
+                                        </p:cTn>
+                                        <p:tgtEl>
+                                          <p:spTgt spid="3">
+                                            <p:txEl>
+                                              <p:pRg st="2" end="2"/>
+                                            </p:txEl>
+                                          </p:spTgt>
+                                        </p:tgtEl>
+                                        <p:attrNameLst>
+                                          <p:attrName>style.visibility</p:attrName>
+                                        </p:attrNameLst>
+                                      </p:cBhvr>
+                                      <p:to>
+                                        <p:strVal val="visible"/>
+                                      </p:to>
+                                    </p:set>
+                                  </p:childTnLst>
+                                </p:cTn>
+                              </p:par>
+                              <p:par>
+                                <p:cTn id="11" presetID="1" presetClass="entr" presetSubtype="0" fill="hold" nodeType="withEffect">
+                                  <p:stCondLst>
+                                    <p:cond delay="0"/>
+                                  </p:stCondLst>
+                                  <p:childTnLst>
+                                    <p:set>
+                                      <p:cBhvr>
+                                        <p:cTn id="12" dur="1" fill="hold">
+                                          <p:stCondLst>
+                                            <p:cond delay="0"/>
+                                          </p:stCondLst>
+                                        </p:cTn>
+                                        <p:tgtEl>
+                                          <p:spTgt spid="3">
+                                            <p:txEl>
+                                              <p:pRg st="3" end="3"/>
+                                            </p:txEl>
+                                          </p:spTgt>
+                                        </p:tgtEl>
+                                        <p:attrNameLst>
+                                          <p:attrName>style.visibility</p:attrName>
+                                        </p:attrNameLst>
+                                      </p:cBhvr>
+                                      <p:to>
+                                        <p:strVal val="visible"/>
+                                      </p:to>
+                                    </p:set>
+                                  </p:childTnLst>
+                                </p:cTn>
+                              </p:par>
+                              <p:par>
+                                <p:cTn id="13" presetID="1" presetClass="entr" presetSubtype="0" fill="hold" nodeType="withEffect">
+                                  <p:stCondLst>
+                                    <p:cond delay="0"/>
+                                  </p:stCondLst>
+                                  <p:childTnLst>
+                                    <p:set>
+                                      <p:cBhvr>
+                                        <p:cTn id="14" dur="1" fill="hold">
+                                          <p:stCondLst>
+                                            <p:cond delay="0"/>
+                                          </p:stCondLst>
+                                        </p:cTn>
+                                        <p:tgtEl>
+                                          <p:spTgt spid="3">
+                                            <p:txEl>
+                                              <p:pRg st="4" end="4"/>
+                                            </p:txEl>
+                                          </p:spTgt>
+                                        </p:tgtEl>
+                                        <p:attrNameLst>
+                                          <p:attrName>style.visibility</p:attrName>
+                                        </p:attrNameLst>
+                                      </p:cBhvr>
+                                      <p:to>
+                                        <p:strVal val="visible"/>
+                                      </p:to>
+                                    </p:set>
+                                  </p:childTnLst>
+                                </p:cTn>
+                              </p:par>
+                            </p:childTnLst>
+                          </p:cTn>
+                        </p:par>
+                      </p:childTnLst>
+                    </p:cTn>
+                  </p:par>
+                  <p:par>
+                    <p:cTn id="15" fill="hold">
+                      <p:stCondLst>
+                        <p:cond delay="indefinite"/>
+                      </p:stCondLst>
+                      <p:childTnLst>
+                        <p:par>
+                          <p:cTn id="16" fill="hold">
+                            <p:stCondLst>
+                              <p:cond delay="0"/>
+                            </p:stCondLst>
+                            <p:childTnLst>
+                              <p:par>
+                                <p:cTn id="17" presetID="1" presetClass="entr" presetSubtype="0" fill="hold" nodeType="clickEffect">
+                                  <p:stCondLst>
+                                    <p:cond delay="0"/>
+                                  </p:stCondLst>
+                                  <p:childTnLst>
+                                    <p:set>
+                                      <p:cBhvr>
+                                        <p:cTn id="18" dur="1" fill="hold">
+                                          <p:stCondLst>
+                                            <p:cond delay="0"/>
+                                          </p:stCondLst>
+                                        </p:cTn>
+                                        <p:tgtEl>
+                                          <p:spTgt spid="3">
+                                            <p:txEl>
+                                              <p:pRg st="5" end="5"/>
+                                            </p:txEl>
+                                          </p:spTgt>
+                                        </p:tgtEl>
+                                        <p:attrNameLst>
+                                          <p:attrName>style.visibility</p:attrName>
+                                        </p:attrNameLst>
+                                      </p:cBhvr>
+                                      <p:to>
+                                        <p:strVal val="visible"/>
+                                      </p:to>
+                                    </p:set>
+                                  </p:childTnLst>
+                                </p:cTn>
+                              </p:par>
+                              <p:par>
+                                <p:cTn id="19" presetID="1" presetClass="entr" presetSubtype="0" fill="hold" nodeType="withEffect">
+                                  <p:stCondLst>
+                                    <p:cond delay="0"/>
+                                  </p:stCondLst>
+                                  <p:childTnLst>
+                                    <p:set>
+                                      <p:cBhvr>
+                                        <p:cTn id="20" dur="1" fill="hold">
+                                          <p:stCondLst>
+                                            <p:cond delay="0"/>
+                                          </p:stCondLst>
+                                        </p:cTn>
+                                        <p:tgtEl>
+                                          <p:spTgt spid="3">
+                                            <p:txEl>
+                                              <p:pRg st="6" end="6"/>
+                                            </p:txEl>
+                                          </p:spTgt>
+                                        </p:tgtEl>
+                                        <p:attrNameLst>
+                                          <p:attrName>style.visibility</p:attrName>
+                                        </p:attrNameLst>
+                                      </p:cBhvr>
+                                      <p:to>
+                                        <p:strVal val="visible"/>
+                                      </p:to>
+                                    </p:set>
+                                  </p:childTnLst>
+                                </p:cTn>
+                              </p:par>
+                              <p:par>
+                                <p:cTn id="21" presetID="1" presetClass="entr" presetSubtype="0" fill="hold" nodeType="withEffect">
+                                  <p:stCondLst>
+                                    <p:cond delay="0"/>
+                                  </p:stCondLst>
+                                  <p:childTnLst>
+                                    <p:set>
+                                      <p:cBhvr>
+                                        <p:cTn id="22" dur="1" fill="hold">
+                                          <p:stCondLst>
+                                            <p:cond delay="0"/>
+                                          </p:stCondLst>
+                                        </p:cTn>
+                                        <p:tgtEl>
+                                          <p:spTgt spid="3">
+                                            <p:txEl>
+                                              <p:pRg st="7" end="7"/>
+                                            </p:txEl>
+                                          </p:spTgt>
+                                        </p:tgtEl>
+                                        <p:attrNameLst>
+                                          <p:attrName>style.visibility</p:attrName>
+                                        </p:attrNameLst>
+                                      </p:cBhvr>
+                                      <p:to>
+                                        <p:strVal val="visible"/>
+                                      </p:to>
+                                    </p:set>
+                                  </p:childTnLst>
+                                </p:cTn>
+                              </p:par>
+                              <p:par>
+                                <p:cTn id="23" presetID="1" presetClass="entr" presetSubtype="0" fill="hold" nodeType="withEffect">
+                                  <p:stCondLst>
+                                    <p:cond delay="0"/>
+                                  </p:stCondLst>
+                                  <p:childTnLst>
+                                    <p:set>
+                                      <p:cBhvr>
+                                        <p:cTn id="24" dur="1" fill="hold">
+                                          <p:stCondLst>
+                                            <p:cond delay="0"/>
+                                          </p:stCondLst>
+                                        </p:cTn>
+                                        <p:tgtEl>
+                                          <p:spTgt spid="3">
+                                            <p:txEl>
+                                              <p:pRg st="8" end="8"/>
+                                            </p:txEl>
+                                          </p:spTgt>
+                                        </p:tgtEl>
+                                        <p:attrNameLst>
+                                          <p:attrName>style.visibility</p:attrName>
+                                        </p:attrNameLst>
+                                      </p:cBhvr>
+                                      <p:to>
+                                        <p:strVal val="visible"/>
+                                      </p:to>
+                                    </p:set>
+                                  </p:childTnLst>
+                                </p:cTn>
+                              </p:par>
+                              <p:par>
+                                <p:cTn id="25" presetID="1" presetClass="entr" presetSubtype="0" fill="hold" nodeType="withEffect">
+                                  <p:stCondLst>
+                                    <p:cond delay="0"/>
+                                  </p:stCondLst>
+                                  <p:childTnLst>
+                                    <p:set>
+                                      <p:cBhvr>
+                                        <p:cTn id="26" dur="1" fill="hold">
+                                          <p:stCondLst>
+                                            <p:cond delay="0"/>
+                                          </p:stCondLst>
+                                        </p:cTn>
+                                        <p:tgtEl>
+                                          <p:spTgt spid="3">
+                                            <p:txEl>
+                                              <p:pRg st="9" end="9"/>
+                                            </p:txEl>
+                                          </p:spTgt>
+                                        </p:tgtEl>
+                                        <p:attrNameLst>
+                                          <p:attrName>style.visibility</p:attrName>
+                                        </p:attrNameLst>
+                                      </p:cBhvr>
+                                      <p:to>
+                                        <p:strVal val="visible"/>
+                                      </p:to>
+                                    </p:set>
+                                  </p:childTnLst>
+                                </p:cTn>
+                              </p:par>
+                            </p:childTnLst>
+                          </p:cTn>
+                        </p:par>
+                      </p:childTnLst>
+                    </p:cTn>
+                  </p:par>
+                </p:childTnLst>
+              </p:cTn>
+              <p:prevCondLst>
+                <p:cond evt="onPrev" delay="0">
+                  <p:tgtEl>
+                    <p:sldTgt/>
+                  </p:tgtEl>
+                </p:cond>
+              </p:prevCondLst>
+              <p:nextCondLst>
+                <p:cond evt="onNext" delay="0">
+                  <p:tgtEl>
+                    <p:sldTgt/>
+                  </p:tgtEl>
+                </p:cond>
+              </p:nextCondLst>
+            </p:seq>
+          </p:childTnLst>
+        </p:cTn>
+      </p:par>
+    </p:tnLst>
+  </p:timing>
 </p:sld>
 </file>
 
-<file path=ppt/slides/slide9.xml><?xml version="1.0" encoding="utf-8"?>
+<file path=ppt/slides/slide6.xml><?xml version="1.0" encoding="utf-8"?>
 <p:sld xmlns:a="http://schemas.openxmlformats.org/drawingml/2006/main" xmlns:r="http://schemas.openxmlformats.org/officeDocument/2006/relationships" xmlns:p="http://schemas.openxmlformats.org/presentationml/2006/main">
   <p:cSld>
     <p:spTree>
@@ -18318,6 +18191,850 @@
   <p:clrMapOvr>
     <a:masterClrMapping/>
   </p:clrMapOvr>
+  <p:timing>
+    <p:tnLst>
+      <p:par>
+        <p:cTn id="1" dur="indefinite" restart="never" nodeType="tmRoot">
+          <p:childTnLst>
+            <p:seq concurrent="1" nextAc="seek">
+              <p:cTn id="2" dur="indefinite" nodeType="mainSeq">
+                <p:childTnLst>
+                  <p:par>
+                    <p:cTn id="3" fill="hold">
+                      <p:stCondLst>
+                        <p:cond delay="indefinite"/>
+                      </p:stCondLst>
+                      <p:childTnLst>
+                        <p:par>
+                          <p:cTn id="4" fill="hold">
+                            <p:stCondLst>
+                              <p:cond delay="0"/>
+                            </p:stCondLst>
+                            <p:childTnLst>
+                              <p:par>
+                                <p:cTn id="5" presetID="1" presetClass="entr" presetSubtype="0" fill="hold" nodeType="clickEffect">
+                                  <p:stCondLst>
+                                    <p:cond delay="0"/>
+                                  </p:stCondLst>
+                                  <p:childTnLst>
+                                    <p:set>
+                                      <p:cBhvr>
+                                        <p:cTn id="6" dur="1" fill="hold">
+                                          <p:stCondLst>
+                                            <p:cond delay="0"/>
+                                          </p:stCondLst>
+                                        </p:cTn>
+                                        <p:tgtEl>
+                                          <p:spTgt spid="3">
+                                            <p:txEl>
+                                              <p:pRg st="0" end="0"/>
+                                            </p:txEl>
+                                          </p:spTgt>
+                                        </p:tgtEl>
+                                        <p:attrNameLst>
+                                          <p:attrName>style.visibility</p:attrName>
+                                        </p:attrNameLst>
+                                      </p:cBhvr>
+                                      <p:to>
+                                        <p:strVal val="visible"/>
+                                      </p:to>
+                                    </p:set>
+                                  </p:childTnLst>
+                                </p:cTn>
+                              </p:par>
+                            </p:childTnLst>
+                          </p:cTn>
+                        </p:par>
+                      </p:childTnLst>
+                    </p:cTn>
+                  </p:par>
+                  <p:par>
+                    <p:cTn id="7" fill="hold">
+                      <p:stCondLst>
+                        <p:cond delay="indefinite"/>
+                      </p:stCondLst>
+                      <p:childTnLst>
+                        <p:par>
+                          <p:cTn id="8" fill="hold">
+                            <p:stCondLst>
+                              <p:cond delay="0"/>
+                            </p:stCondLst>
+                            <p:childTnLst>
+                              <p:par>
+                                <p:cTn id="9" presetID="1" presetClass="entr" presetSubtype="0" fill="hold" nodeType="clickEffect">
+                                  <p:stCondLst>
+                                    <p:cond delay="0"/>
+                                  </p:stCondLst>
+                                  <p:childTnLst>
+                                    <p:set>
+                                      <p:cBhvr>
+                                        <p:cTn id="10" dur="1" fill="hold">
+                                          <p:stCondLst>
+                                            <p:cond delay="0"/>
+                                          </p:stCondLst>
+                                        </p:cTn>
+                                        <p:tgtEl>
+                                          <p:spTgt spid="3">
+                                            <p:txEl>
+                                              <p:pRg st="1" end="1"/>
+                                            </p:txEl>
+                                          </p:spTgt>
+                                        </p:tgtEl>
+                                        <p:attrNameLst>
+                                          <p:attrName>style.visibility</p:attrName>
+                                        </p:attrNameLst>
+                                      </p:cBhvr>
+                                      <p:to>
+                                        <p:strVal val="visible"/>
+                                      </p:to>
+                                    </p:set>
+                                  </p:childTnLst>
+                                </p:cTn>
+                              </p:par>
+                            </p:childTnLst>
+                          </p:cTn>
+                        </p:par>
+                      </p:childTnLst>
+                    </p:cTn>
+                  </p:par>
+                  <p:par>
+                    <p:cTn id="11" fill="hold">
+                      <p:stCondLst>
+                        <p:cond delay="indefinite"/>
+                      </p:stCondLst>
+                      <p:childTnLst>
+                        <p:par>
+                          <p:cTn id="12" fill="hold">
+                            <p:stCondLst>
+                              <p:cond delay="0"/>
+                            </p:stCondLst>
+                            <p:childTnLst>
+                              <p:par>
+                                <p:cTn id="13" presetID="1" presetClass="entr" presetSubtype="0" fill="hold" nodeType="clickEffect">
+                                  <p:stCondLst>
+                                    <p:cond delay="0"/>
+                                  </p:stCondLst>
+                                  <p:childTnLst>
+                                    <p:set>
+                                      <p:cBhvr>
+                                        <p:cTn id="14" dur="1" fill="hold">
+                                          <p:stCondLst>
+                                            <p:cond delay="0"/>
+                                          </p:stCondLst>
+                                        </p:cTn>
+                                        <p:tgtEl>
+                                          <p:spTgt spid="3">
+                                            <p:txEl>
+                                              <p:pRg st="2" end="2"/>
+                                            </p:txEl>
+                                          </p:spTgt>
+                                        </p:tgtEl>
+                                        <p:attrNameLst>
+                                          <p:attrName>style.visibility</p:attrName>
+                                        </p:attrNameLst>
+                                      </p:cBhvr>
+                                      <p:to>
+                                        <p:strVal val="visible"/>
+                                      </p:to>
+                                    </p:set>
+                                  </p:childTnLst>
+                                </p:cTn>
+                              </p:par>
+                            </p:childTnLst>
+                          </p:cTn>
+                        </p:par>
+                      </p:childTnLst>
+                    </p:cTn>
+                  </p:par>
+                  <p:par>
+                    <p:cTn id="15" fill="hold">
+                      <p:stCondLst>
+                        <p:cond delay="indefinite"/>
+                      </p:stCondLst>
+                      <p:childTnLst>
+                        <p:par>
+                          <p:cTn id="16" fill="hold">
+                            <p:stCondLst>
+                              <p:cond delay="0"/>
+                            </p:stCondLst>
+                            <p:childTnLst>
+                              <p:par>
+                                <p:cTn id="17" presetID="1" presetClass="entr" presetSubtype="0" fill="hold" nodeType="clickEffect">
+                                  <p:stCondLst>
+                                    <p:cond delay="0"/>
+                                  </p:stCondLst>
+                                  <p:childTnLst>
+                                    <p:set>
+                                      <p:cBhvr>
+                                        <p:cTn id="18" dur="1" fill="hold">
+                                          <p:stCondLst>
+                                            <p:cond delay="0"/>
+                                          </p:stCondLst>
+                                        </p:cTn>
+                                        <p:tgtEl>
+                                          <p:spTgt spid="3">
+                                            <p:txEl>
+                                              <p:pRg st="3" end="3"/>
+                                            </p:txEl>
+                                          </p:spTgt>
+                                        </p:tgtEl>
+                                        <p:attrNameLst>
+                                          <p:attrName>style.visibility</p:attrName>
+                                        </p:attrNameLst>
+                                      </p:cBhvr>
+                                      <p:to>
+                                        <p:strVal val="visible"/>
+                                      </p:to>
+                                    </p:set>
+                                  </p:childTnLst>
+                                </p:cTn>
+                              </p:par>
+                            </p:childTnLst>
+                          </p:cTn>
+                        </p:par>
+                      </p:childTnLst>
+                    </p:cTn>
+                  </p:par>
+                </p:childTnLst>
+              </p:cTn>
+              <p:prevCondLst>
+                <p:cond evt="onPrev" delay="0">
+                  <p:tgtEl>
+                    <p:sldTgt/>
+                  </p:tgtEl>
+                </p:cond>
+              </p:prevCondLst>
+              <p:nextCondLst>
+                <p:cond evt="onNext" delay="0">
+                  <p:tgtEl>
+                    <p:sldTgt/>
+                  </p:tgtEl>
+                </p:cond>
+              </p:nextCondLst>
+            </p:seq>
+          </p:childTnLst>
+        </p:cTn>
+      </p:par>
+    </p:tnLst>
+  </p:timing>
+</p:sld>
+</file>
+
+<file path=ppt/slides/slide7.xml><?xml version="1.0" encoding="utf-8"?>
+<p:sld xmlns:a="http://schemas.openxmlformats.org/drawingml/2006/main" xmlns:r="http://schemas.openxmlformats.org/officeDocument/2006/relationships" xmlns:p="http://schemas.openxmlformats.org/presentationml/2006/main">
+  <p:cSld>
+    <p:spTree>
+      <p:nvGrpSpPr>
+        <p:cNvPr id="1" name=""/>
+        <p:cNvGrpSpPr/>
+        <p:nvPr/>
+      </p:nvGrpSpPr>
+      <p:grpSpPr>
+        <a:xfrm>
+          <a:off x="0" y="0"/>
+          <a:ext cx="0" cy="0"/>
+          <a:chOff x="0" y="0"/>
+          <a:chExt cx="0" cy="0"/>
+        </a:xfrm>
+      </p:grpSpPr>
+      <p:sp>
+        <p:nvSpPr>
+          <p:cNvPr id="2" name="Title 1">
+            <a:extLst>
+              <a:ext uri="{FF2B5EF4-FFF2-40B4-BE49-F238E27FC236}">
+                <a16:creationId xmlns:a16="http://schemas.microsoft.com/office/drawing/2014/main" id="{2986C22A-2895-44AB-3DFA-A5FF60205596}"/>
+              </a:ext>
+            </a:extLst>
+          </p:cNvPr>
+          <p:cNvSpPr>
+            <a:spLocks noGrp="1"/>
+          </p:cNvSpPr>
+          <p:nvPr>
+            <p:ph type="title"/>
+          </p:nvPr>
+        </p:nvSpPr>
+        <p:spPr>
+          <a:xfrm>
+            <a:off x="1536585" y="2178970"/>
+            <a:ext cx="3473826" cy="1442463"/>
+          </a:xfrm>
+        </p:spPr>
+        <p:txBody>
+          <a:bodyPr/>
+          <a:lstStyle/>
+          <a:p>
+            <a:r>
+              <a:rPr lang="en-PL" dirty="0"/>
+              <a:t>Questions</a:t>
+            </a:r>
+          </a:p>
+        </p:txBody>
+      </p:sp>
+    </p:spTree>
+    <p:extLst>
+      <p:ext uri="{BB962C8B-B14F-4D97-AF65-F5344CB8AC3E}">
+        <p14:creationId xmlns:p14="http://schemas.microsoft.com/office/powerpoint/2010/main" val="3891795659"/>
+      </p:ext>
+    </p:extLst>
+  </p:cSld>
+  <p:clrMapOvr>
+    <a:masterClrMapping/>
+  </p:clrMapOvr>
+</p:sld>
+</file>
+
+<file path=ppt/slides/slide8.xml><?xml version="1.0" encoding="utf-8"?>
+<p:sld xmlns:a="http://schemas.openxmlformats.org/drawingml/2006/main" xmlns:r="http://schemas.openxmlformats.org/officeDocument/2006/relationships" xmlns:p="http://schemas.openxmlformats.org/presentationml/2006/main">
+  <p:cSld>
+    <p:spTree>
+      <p:nvGrpSpPr>
+        <p:cNvPr id="1" name=""/>
+        <p:cNvGrpSpPr/>
+        <p:nvPr/>
+      </p:nvGrpSpPr>
+      <p:grpSpPr>
+        <a:xfrm>
+          <a:off x="0" y="0"/>
+          <a:ext cx="0" cy="0"/>
+          <a:chOff x="0" y="0"/>
+          <a:chExt cx="0" cy="0"/>
+        </a:xfrm>
+      </p:grpSpPr>
+      <p:sp>
+        <p:nvSpPr>
+          <p:cNvPr id="2" name="Title 1">
+            <a:extLst>
+              <a:ext uri="{FF2B5EF4-FFF2-40B4-BE49-F238E27FC236}">
+                <a16:creationId xmlns:a16="http://schemas.microsoft.com/office/drawing/2014/main" id="{7AA93CE0-FE6C-6129-B63E-FF7290B318DF}"/>
+              </a:ext>
+            </a:extLst>
+          </p:cNvPr>
+          <p:cNvSpPr>
+            <a:spLocks noGrp="1"/>
+          </p:cNvSpPr>
+          <p:nvPr>
+            <p:ph type="title"/>
+          </p:nvPr>
+        </p:nvSpPr>
+        <p:spPr/>
+        <p:txBody>
+          <a:bodyPr/>
+          <a:lstStyle/>
+          <a:p>
+            <a:r>
+              <a:rPr lang="en-PL" dirty="0"/>
+              <a:t>References</a:t>
+            </a:r>
+          </a:p>
+        </p:txBody>
+      </p:sp>
+      <p:sp>
+        <p:nvSpPr>
+          <p:cNvPr id="3" name="Content Placeholder 2">
+            <a:extLst>
+              <a:ext uri="{FF2B5EF4-FFF2-40B4-BE49-F238E27FC236}">
+                <a16:creationId xmlns:a16="http://schemas.microsoft.com/office/drawing/2014/main" id="{8C8684A3-2F34-724F-A0F0-582025CD3BD1}"/>
+              </a:ext>
+            </a:extLst>
+          </p:cNvPr>
+          <p:cNvSpPr>
+            <a:spLocks noGrp="1"/>
+          </p:cNvSpPr>
+          <p:nvPr>
+            <p:ph idx="1"/>
+          </p:nvPr>
+        </p:nvSpPr>
+        <p:spPr/>
+        <p:txBody>
+          <a:bodyPr/>
+          <a:lstStyle/>
+          <a:p>
+            <a:r>
+              <a:rPr lang="en-GB" dirty="0">
+                <a:hlinkClick r:id="rId2"/>
+              </a:rPr>
+              <a:t>https://www.elastic.co/guide/en/apm/guide/current/apm-quick-start.html</a:t>
+            </a:r>
+          </a:p>
+          <a:p>
+            <a:r>
+              <a:rPr lang="en-GB" dirty="0">
+                <a:hlinkClick r:id="rId3"/>
+              </a:rPr>
+              <a:t>https://www.elastic.co/guide/en/apm/guide/current/getting-started-apm-server.html</a:t>
+            </a:r>
+            <a:endParaRPr lang="en-GB" dirty="0"/>
+          </a:p>
+          <a:p>
+            <a:r>
+              <a:rPr lang="en-GB" dirty="0">
+                <a:hlinkClick r:id="rId2"/>
+              </a:rPr>
+              <a:t>https://www.elastic.co/guide/en/apm/agent/java/current/setup.html</a:t>
+            </a:r>
+            <a:endParaRPr lang="en-GB" dirty="0"/>
+          </a:p>
+          <a:p>
+            <a:r>
+              <a:rPr lang="en-GB" dirty="0">
+                <a:hlinkClick r:id="rId4"/>
+              </a:rPr>
+              <a:t>https://www.elastic.co/guide/en/apm/agent/java/current/java-method-monitoring.html</a:t>
+            </a:r>
+            <a:endParaRPr lang="en-GB" dirty="0"/>
+          </a:p>
+          <a:p>
+            <a:endParaRPr lang="en-GB" dirty="0"/>
+          </a:p>
+          <a:p>
+            <a:endParaRPr lang="en-PL" dirty="0"/>
+          </a:p>
+        </p:txBody>
+      </p:sp>
+    </p:spTree>
+    <p:extLst>
+      <p:ext uri="{BB962C8B-B14F-4D97-AF65-F5344CB8AC3E}">
+        <p14:creationId xmlns:p14="http://schemas.microsoft.com/office/powerpoint/2010/main" val="2521588105"/>
+      </p:ext>
+    </p:extLst>
+  </p:cSld>
+  <p:clrMapOvr>
+    <a:masterClrMapping/>
+  </p:clrMapOvr>
+</p:sld>
+</file>
+
+<file path=ppt/slides/slide9.xml><?xml version="1.0" encoding="utf-8"?>
+<p:sld xmlns:a="http://schemas.openxmlformats.org/drawingml/2006/main" xmlns:r="http://schemas.openxmlformats.org/officeDocument/2006/relationships" xmlns:p="http://schemas.openxmlformats.org/presentationml/2006/main">
+  <p:cSld>
+    <p:spTree>
+      <p:nvGrpSpPr>
+        <p:cNvPr id="1" name=""/>
+        <p:cNvGrpSpPr/>
+        <p:nvPr/>
+      </p:nvGrpSpPr>
+      <p:grpSpPr>
+        <a:xfrm>
+          <a:off x="0" y="0"/>
+          <a:ext cx="0" cy="0"/>
+          <a:chOff x="0" y="0"/>
+          <a:chExt cx="0" cy="0"/>
+        </a:xfrm>
+      </p:grpSpPr>
+      <p:sp>
+        <p:nvSpPr>
+          <p:cNvPr id="2" name="Title 1">
+            <a:extLst>
+              <a:ext uri="{FF2B5EF4-FFF2-40B4-BE49-F238E27FC236}">
+                <a16:creationId xmlns:a16="http://schemas.microsoft.com/office/drawing/2014/main" id="{2986C22A-2895-44AB-3DFA-A5FF60205596}"/>
+              </a:ext>
+            </a:extLst>
+          </p:cNvPr>
+          <p:cNvSpPr>
+            <a:spLocks noGrp="1"/>
+          </p:cNvSpPr>
+          <p:nvPr>
+            <p:ph type="title"/>
+          </p:nvPr>
+        </p:nvSpPr>
+        <p:spPr/>
+        <p:txBody>
+          <a:bodyPr/>
+          <a:lstStyle/>
+          <a:p>
+            <a:r>
+              <a:rPr lang="en-PL" dirty="0"/>
+              <a:t>Analysing slow methods</a:t>
+            </a:r>
+            <a:r>
+              <a:rPr lang="en-US" dirty="0"/>
+              <a:t> – Extra topic</a:t>
+            </a:r>
+            <a:endParaRPr lang="en-PL" dirty="0"/>
+          </a:p>
+        </p:txBody>
+      </p:sp>
+      <p:sp>
+        <p:nvSpPr>
+          <p:cNvPr id="3" name="Content Placeholder 2">
+            <a:extLst>
+              <a:ext uri="{FF2B5EF4-FFF2-40B4-BE49-F238E27FC236}">
+                <a16:creationId xmlns:a16="http://schemas.microsoft.com/office/drawing/2014/main" id="{760B55A3-4A6A-1E7A-E993-6B3ACB17E8E2}"/>
+              </a:ext>
+            </a:extLst>
+          </p:cNvPr>
+          <p:cNvSpPr>
+            <a:spLocks noGrp="1"/>
+          </p:cNvSpPr>
+          <p:nvPr>
+            <p:ph idx="1"/>
+          </p:nvPr>
+        </p:nvSpPr>
+        <p:spPr/>
+        <p:txBody>
+          <a:bodyPr>
+            <a:normAutofit lnSpcReduction="10000"/>
+          </a:bodyPr>
+          <a:lstStyle/>
+          <a:p>
+            <a:r>
+              <a:rPr lang="en-GB" dirty="0"/>
+              <a:t>Another advantage of APM is to analyse slow methods</a:t>
+            </a:r>
+          </a:p>
+          <a:p>
+            <a:r>
+              <a:rPr lang="en-GB" dirty="0"/>
+              <a:t>We should take care not to impact our app performance during runtime and </a:t>
+            </a:r>
+            <a:r>
+              <a:rPr lang="en-GB" dirty="0" err="1"/>
+              <a:t>startup</a:t>
+            </a:r>
+            <a:endParaRPr lang="en-GB" dirty="0"/>
+          </a:p>
+          <a:p>
+            <a:r>
+              <a:rPr lang="en-GB" dirty="0"/>
+              <a:t>Can be done into different ways:</a:t>
+            </a:r>
+          </a:p>
+          <a:p>
+            <a:pPr lvl="1"/>
+            <a:r>
+              <a:rPr lang="en-GB" dirty="0"/>
+              <a:t>Base profiler: </a:t>
+            </a:r>
+            <a:r>
+              <a:rPr lang="en-GB" dirty="0">
+                <a:hlinkClick r:id="rId2"/>
+              </a:rPr>
+              <a:t>https://www.elastic.co/guide/en/apm/agent/java/current/method-sampling-based.html</a:t>
+            </a:r>
+            <a:r>
+              <a:rPr lang="en-GB" dirty="0"/>
+              <a:t> </a:t>
+            </a:r>
+          </a:p>
+          <a:p>
+            <a:pPr lvl="1"/>
+            <a:r>
+              <a:rPr lang="en-GB" dirty="0"/>
+              <a:t>API/Code: </a:t>
+            </a:r>
+            <a:r>
+              <a:rPr lang="en-GB" dirty="0">
+                <a:hlinkClick r:id="rId3"/>
+              </a:rPr>
+              <a:t>https://www.elastic.co/guide/en/apm/agent/java/current/method-api.html</a:t>
+            </a:r>
+            <a:r>
+              <a:rPr lang="en-GB" dirty="0"/>
+              <a:t> </a:t>
+            </a:r>
+          </a:p>
+          <a:p>
+            <a:pPr lvl="1"/>
+            <a:r>
+              <a:rPr lang="en-GB" dirty="0"/>
+              <a:t>Annotations: </a:t>
+            </a:r>
+            <a:r>
+              <a:rPr lang="en-GB" dirty="0">
+                <a:hlinkClick r:id="rId4"/>
+              </a:rPr>
+              <a:t>https://www.elastic.co/guide/en/apm/agent/java/current/method-annotations.html</a:t>
+            </a:r>
+            <a:r>
+              <a:rPr lang="en-GB" dirty="0"/>
+              <a:t> </a:t>
+            </a:r>
+          </a:p>
+          <a:p>
+            <a:pPr lvl="1"/>
+            <a:r>
+              <a:rPr lang="en-GB" dirty="0"/>
+              <a:t>Configuration-based: </a:t>
+            </a:r>
+            <a:r>
+              <a:rPr lang="en-GB" dirty="0">
+                <a:hlinkClick r:id="rId5"/>
+              </a:rPr>
+              <a:t>https://www.elastic.co/guide/en/apm/agent/java/current/method-config-based.html</a:t>
+            </a:r>
+            <a:r>
+              <a:rPr lang="en-GB" dirty="0"/>
+              <a:t> </a:t>
+            </a:r>
+          </a:p>
+          <a:p>
+            <a:pPr lvl="1"/>
+            <a:endParaRPr lang="en-GB" dirty="0"/>
+          </a:p>
+        </p:txBody>
+      </p:sp>
+    </p:spTree>
+    <p:extLst>
+      <p:ext uri="{BB962C8B-B14F-4D97-AF65-F5344CB8AC3E}">
+        <p14:creationId xmlns:p14="http://schemas.microsoft.com/office/powerpoint/2010/main" val="712303752"/>
+      </p:ext>
+    </p:extLst>
+  </p:cSld>
+  <p:clrMapOvr>
+    <a:masterClrMapping/>
+  </p:clrMapOvr>
+  <p:timing>
+    <p:tnLst>
+      <p:par>
+        <p:cTn id="1" dur="indefinite" restart="never" nodeType="tmRoot">
+          <p:childTnLst>
+            <p:seq concurrent="1" nextAc="seek">
+              <p:cTn id="2" dur="indefinite" nodeType="mainSeq">
+                <p:childTnLst>
+                  <p:par>
+                    <p:cTn id="3" fill="hold">
+                      <p:stCondLst>
+                        <p:cond delay="indefinite"/>
+                      </p:stCondLst>
+                      <p:childTnLst>
+                        <p:par>
+                          <p:cTn id="4" fill="hold">
+                            <p:stCondLst>
+                              <p:cond delay="0"/>
+                            </p:stCondLst>
+                            <p:childTnLst>
+                              <p:par>
+                                <p:cTn id="5" presetID="1" presetClass="entr" presetSubtype="0" fill="hold" nodeType="clickEffect">
+                                  <p:stCondLst>
+                                    <p:cond delay="0"/>
+                                  </p:stCondLst>
+                                  <p:childTnLst>
+                                    <p:set>
+                                      <p:cBhvr>
+                                        <p:cTn id="6" dur="1" fill="hold">
+                                          <p:stCondLst>
+                                            <p:cond delay="0"/>
+                                          </p:stCondLst>
+                                        </p:cTn>
+                                        <p:tgtEl>
+                                          <p:spTgt spid="3">
+                                            <p:txEl>
+                                              <p:pRg st="1" end="1"/>
+                                            </p:txEl>
+                                          </p:spTgt>
+                                        </p:tgtEl>
+                                        <p:attrNameLst>
+                                          <p:attrName>style.visibility</p:attrName>
+                                        </p:attrNameLst>
+                                      </p:cBhvr>
+                                      <p:to>
+                                        <p:strVal val="visible"/>
+                                      </p:to>
+                                    </p:set>
+                                  </p:childTnLst>
+                                </p:cTn>
+                              </p:par>
+                            </p:childTnLst>
+                          </p:cTn>
+                        </p:par>
+                      </p:childTnLst>
+                    </p:cTn>
+                  </p:par>
+                  <p:par>
+                    <p:cTn id="7" fill="hold">
+                      <p:stCondLst>
+                        <p:cond delay="indefinite"/>
+                      </p:stCondLst>
+                      <p:childTnLst>
+                        <p:par>
+                          <p:cTn id="8" fill="hold">
+                            <p:stCondLst>
+                              <p:cond delay="0"/>
+                            </p:stCondLst>
+                            <p:childTnLst>
+                              <p:par>
+                                <p:cTn id="9" presetID="1" presetClass="entr" presetSubtype="0" fill="hold" nodeType="clickEffect">
+                                  <p:stCondLst>
+                                    <p:cond delay="0"/>
+                                  </p:stCondLst>
+                                  <p:childTnLst>
+                                    <p:set>
+                                      <p:cBhvr>
+                                        <p:cTn id="10" dur="1" fill="hold">
+                                          <p:stCondLst>
+                                            <p:cond delay="0"/>
+                                          </p:stCondLst>
+                                        </p:cTn>
+                                        <p:tgtEl>
+                                          <p:spTgt spid="3">
+                                            <p:txEl>
+                                              <p:pRg st="2" end="2"/>
+                                            </p:txEl>
+                                          </p:spTgt>
+                                        </p:tgtEl>
+                                        <p:attrNameLst>
+                                          <p:attrName>style.visibility</p:attrName>
+                                        </p:attrNameLst>
+                                      </p:cBhvr>
+                                      <p:to>
+                                        <p:strVal val="visible"/>
+                                      </p:to>
+                                    </p:set>
+                                  </p:childTnLst>
+                                </p:cTn>
+                              </p:par>
+                              <p:par>
+                                <p:cTn id="11" presetID="1" presetClass="entr" presetSubtype="0" fill="hold" nodeType="withEffect">
+                                  <p:stCondLst>
+                                    <p:cond delay="0"/>
+                                  </p:stCondLst>
+                                  <p:childTnLst>
+                                    <p:set>
+                                      <p:cBhvr>
+                                        <p:cTn id="12" dur="1" fill="hold">
+                                          <p:stCondLst>
+                                            <p:cond delay="0"/>
+                                          </p:stCondLst>
+                                        </p:cTn>
+                                        <p:tgtEl>
+                                          <p:spTgt spid="3">
+                                            <p:txEl>
+                                              <p:pRg st="3" end="3"/>
+                                            </p:txEl>
+                                          </p:spTgt>
+                                        </p:tgtEl>
+                                        <p:attrNameLst>
+                                          <p:attrName>style.visibility</p:attrName>
+                                        </p:attrNameLst>
+                                      </p:cBhvr>
+                                      <p:to>
+                                        <p:strVal val="visible"/>
+                                      </p:to>
+                                    </p:set>
+                                  </p:childTnLst>
+                                </p:cTn>
+                              </p:par>
+                              <p:par>
+                                <p:cTn id="13" presetID="1" presetClass="entr" presetSubtype="0" fill="hold" nodeType="withEffect">
+                                  <p:stCondLst>
+                                    <p:cond delay="0"/>
+                                  </p:stCondLst>
+                                  <p:childTnLst>
+                                    <p:set>
+                                      <p:cBhvr>
+                                        <p:cTn id="14" dur="1" fill="hold">
+                                          <p:stCondLst>
+                                            <p:cond delay="0"/>
+                                          </p:stCondLst>
+                                        </p:cTn>
+                                        <p:tgtEl>
+                                          <p:spTgt spid="3">
+                                            <p:txEl>
+                                              <p:pRg st="4" end="4"/>
+                                            </p:txEl>
+                                          </p:spTgt>
+                                        </p:tgtEl>
+                                        <p:attrNameLst>
+                                          <p:attrName>style.visibility</p:attrName>
+                                        </p:attrNameLst>
+                                      </p:cBhvr>
+                                      <p:to>
+                                        <p:strVal val="visible"/>
+                                      </p:to>
+                                    </p:set>
+                                  </p:childTnLst>
+                                </p:cTn>
+                              </p:par>
+                              <p:par>
+                                <p:cTn id="15" presetID="1" presetClass="entr" presetSubtype="0" fill="hold" nodeType="withEffect">
+                                  <p:stCondLst>
+                                    <p:cond delay="0"/>
+                                  </p:stCondLst>
+                                  <p:childTnLst>
+                                    <p:set>
+                                      <p:cBhvr>
+                                        <p:cTn id="16" dur="1" fill="hold">
+                                          <p:stCondLst>
+                                            <p:cond delay="0"/>
+                                          </p:stCondLst>
+                                        </p:cTn>
+                                        <p:tgtEl>
+                                          <p:spTgt spid="3">
+                                            <p:txEl>
+                                              <p:pRg st="5" end="5"/>
+                                            </p:txEl>
+                                          </p:spTgt>
+                                        </p:tgtEl>
+                                        <p:attrNameLst>
+                                          <p:attrName>style.visibility</p:attrName>
+                                        </p:attrNameLst>
+                                      </p:cBhvr>
+                                      <p:to>
+                                        <p:strVal val="visible"/>
+                                      </p:to>
+                                    </p:set>
+                                  </p:childTnLst>
+                                </p:cTn>
+                              </p:par>
+                              <p:par>
+                                <p:cTn id="17" presetID="1" presetClass="entr" presetSubtype="0" fill="hold" nodeType="withEffect">
+                                  <p:stCondLst>
+                                    <p:cond delay="0"/>
+                                  </p:stCondLst>
+                                  <p:childTnLst>
+                                    <p:set>
+                                      <p:cBhvr>
+                                        <p:cTn id="18" dur="1" fill="hold">
+                                          <p:stCondLst>
+                                            <p:cond delay="0"/>
+                                          </p:stCondLst>
+                                        </p:cTn>
+                                        <p:tgtEl>
+                                          <p:spTgt spid="3">
+                                            <p:txEl>
+                                              <p:pRg st="6" end="6"/>
+                                            </p:txEl>
+                                          </p:spTgt>
+                                        </p:tgtEl>
+                                        <p:attrNameLst>
+                                          <p:attrName>style.visibility</p:attrName>
+                                        </p:attrNameLst>
+                                      </p:cBhvr>
+                                      <p:to>
+                                        <p:strVal val="visible"/>
+                                      </p:to>
+                                    </p:set>
+                                  </p:childTnLst>
+                                </p:cTn>
+                              </p:par>
+                            </p:childTnLst>
+                          </p:cTn>
+                        </p:par>
+                      </p:childTnLst>
+                    </p:cTn>
+                  </p:par>
+                </p:childTnLst>
+              </p:cTn>
+              <p:prevCondLst>
+                <p:cond evt="onPrev" delay="0">
+                  <p:tgtEl>
+                    <p:sldTgt/>
+                  </p:tgtEl>
+                </p:cond>
+              </p:prevCondLst>
+              <p:nextCondLst>
+                <p:cond evt="onNext" delay="0">
+                  <p:tgtEl>
+                    <p:sldTgt/>
+                  </p:tgtEl>
+                </p:cond>
+              </p:nextCondLst>
+            </p:seq>
+          </p:childTnLst>
+        </p:cTn>
+      </p:par>
+    </p:tnLst>
+  </p:timing>
 </p:sld>
 </file>
 
